--- a/PreparationOral/PreparationOral_Corrige.pptx
+++ b/PreparationOral/PreparationOral_Corrige.pptx
@@ -5,9 +5,9 @@
     <p:sldMasterId id="2147483648" r:id="rId1"/>
   </p:sldMasterIdLst>
   <p:sldIdLst>
-    <p:sldId id="262" r:id="rId2"/>
-    <p:sldId id="263" r:id="rId3"/>
-    <p:sldId id="264" r:id="rId4"/>
+    <p:sldId id="263" r:id="rId2"/>
+    <p:sldId id="264" r:id="rId3"/>
+    <p:sldId id="262" r:id="rId4"/>
     <p:sldId id="265" r:id="rId5"/>
   </p:sldIdLst>
   <p:sldSz cx="12192000" cy="6858000"/>
@@ -273,7 +273,7 @@
           <a:p>
             <a:fld id="{CFBBF00B-15A0-49BC-9E30-512DE7F50187}" type="datetimeFigureOut">
               <a:rPr lang="fr-FR" smtClean="0"/>
-              <a:t>05/06/2018</a:t>
+              <a:t>19/06/2023</a:t>
             </a:fld>
             <a:endParaRPr lang="fr-FR"/>
           </a:p>
@@ -471,7 +471,7 @@
           <a:p>
             <a:fld id="{CFBBF00B-15A0-49BC-9E30-512DE7F50187}" type="datetimeFigureOut">
               <a:rPr lang="fr-FR" smtClean="0"/>
-              <a:t>05/06/2018</a:t>
+              <a:t>19/06/2023</a:t>
             </a:fld>
             <a:endParaRPr lang="fr-FR"/>
           </a:p>
@@ -679,7 +679,7 @@
           <a:p>
             <a:fld id="{CFBBF00B-15A0-49BC-9E30-512DE7F50187}" type="datetimeFigureOut">
               <a:rPr lang="fr-FR" smtClean="0"/>
-              <a:t>05/06/2018</a:t>
+              <a:t>19/06/2023</a:t>
             </a:fld>
             <a:endParaRPr lang="fr-FR"/>
           </a:p>
@@ -877,7 +877,7 @@
           <a:p>
             <a:fld id="{CFBBF00B-15A0-49BC-9E30-512DE7F50187}" type="datetimeFigureOut">
               <a:rPr lang="fr-FR" smtClean="0"/>
-              <a:t>05/06/2018</a:t>
+              <a:t>19/06/2023</a:t>
             </a:fld>
             <a:endParaRPr lang="fr-FR"/>
           </a:p>
@@ -1152,7 +1152,7 @@
           <a:p>
             <a:fld id="{CFBBF00B-15A0-49BC-9E30-512DE7F50187}" type="datetimeFigureOut">
               <a:rPr lang="fr-FR" smtClean="0"/>
-              <a:t>05/06/2018</a:t>
+              <a:t>19/06/2023</a:t>
             </a:fld>
             <a:endParaRPr lang="fr-FR"/>
           </a:p>
@@ -1417,7 +1417,7 @@
           <a:p>
             <a:fld id="{CFBBF00B-15A0-49BC-9E30-512DE7F50187}" type="datetimeFigureOut">
               <a:rPr lang="fr-FR" smtClean="0"/>
-              <a:t>05/06/2018</a:t>
+              <a:t>19/06/2023</a:t>
             </a:fld>
             <a:endParaRPr lang="fr-FR"/>
           </a:p>
@@ -1829,7 +1829,7 @@
           <a:p>
             <a:fld id="{CFBBF00B-15A0-49BC-9E30-512DE7F50187}" type="datetimeFigureOut">
               <a:rPr lang="fr-FR" smtClean="0"/>
-              <a:t>05/06/2018</a:t>
+              <a:t>19/06/2023</a:t>
             </a:fld>
             <a:endParaRPr lang="fr-FR"/>
           </a:p>
@@ -1970,7 +1970,7 @@
           <a:p>
             <a:fld id="{CFBBF00B-15A0-49BC-9E30-512DE7F50187}" type="datetimeFigureOut">
               <a:rPr lang="fr-FR" smtClean="0"/>
-              <a:t>05/06/2018</a:t>
+              <a:t>19/06/2023</a:t>
             </a:fld>
             <a:endParaRPr lang="fr-FR"/>
           </a:p>
@@ -2083,7 +2083,7 @@
           <a:p>
             <a:fld id="{CFBBF00B-15A0-49BC-9E30-512DE7F50187}" type="datetimeFigureOut">
               <a:rPr lang="fr-FR" smtClean="0"/>
-              <a:t>05/06/2018</a:t>
+              <a:t>19/06/2023</a:t>
             </a:fld>
             <a:endParaRPr lang="fr-FR"/>
           </a:p>
@@ -2394,7 +2394,7 @@
           <a:p>
             <a:fld id="{CFBBF00B-15A0-49BC-9E30-512DE7F50187}" type="datetimeFigureOut">
               <a:rPr lang="fr-FR" smtClean="0"/>
-              <a:t>05/06/2018</a:t>
+              <a:t>19/06/2023</a:t>
             </a:fld>
             <a:endParaRPr lang="fr-FR"/>
           </a:p>
@@ -2682,7 +2682,7 @@
           <a:p>
             <a:fld id="{CFBBF00B-15A0-49BC-9E30-512DE7F50187}" type="datetimeFigureOut">
               <a:rPr lang="fr-FR" smtClean="0"/>
-              <a:t>05/06/2018</a:t>
+              <a:t>19/06/2023</a:t>
             </a:fld>
             <a:endParaRPr lang="fr-FR"/>
           </a:p>
@@ -2923,7 +2923,7 @@
           <a:p>
             <a:fld id="{CFBBF00B-15A0-49BC-9E30-512DE7F50187}" type="datetimeFigureOut">
               <a:rPr lang="fr-FR" smtClean="0"/>
-              <a:t>05/06/2018</a:t>
+              <a:t>19/06/2023</a:t>
             </a:fld>
             <a:endParaRPr lang="fr-FR"/>
           </a:p>
@@ -3340,36 +3340,892 @@
           <a:chExt cx="0" cy="0"/>
         </a:xfrm>
       </p:grpSpPr>
+      <p:sp>
+        <p:nvSpPr>
+          <p:cNvPr id="3" name="Espace réservé du pied de page 2"/>
+          <p:cNvSpPr>
+            <a:spLocks noGrp="1"/>
+          </p:cNvSpPr>
+          <p:nvPr>
+            <p:ph type="ftr" sz="quarter" idx="11"/>
+          </p:nvPr>
+        </p:nvSpPr>
+        <p:spPr>
+          <a:xfrm>
+            <a:off x="4038600" y="6647894"/>
+            <a:ext cx="4114800" cy="365125"/>
+          </a:xfrm>
+        </p:spPr>
+        <p:txBody>
+          <a:bodyPr/>
+          <a:lstStyle/>
+          <a:p>
+            <a:r>
+              <a:rPr lang="fr-FR"/>
+              <a:t>Xavier Pessoles</a:t>
+            </a:r>
+          </a:p>
+        </p:txBody>
+      </p:sp>
+      <p:sp>
+        <p:nvSpPr>
+          <p:cNvPr id="4" name="Espace réservé du numéro de diapositive 3"/>
+          <p:cNvSpPr>
+            <a:spLocks noGrp="1"/>
+          </p:cNvSpPr>
+          <p:nvPr>
+            <p:ph type="sldNum" sz="quarter" idx="12"/>
+          </p:nvPr>
+        </p:nvSpPr>
+        <p:spPr>
+          <a:xfrm>
+            <a:off x="8610600" y="6647894"/>
+            <a:ext cx="2743200" cy="365125"/>
+          </a:xfrm>
+        </p:spPr>
+        <p:txBody>
+          <a:bodyPr/>
+          <a:lstStyle/>
+          <a:p>
+            <a:fld id="{69AC6D6E-35D0-489D-B18A-03530B324155}" type="slidenum">
+              <a:rPr lang="fr-FR" smtClean="0"/>
+              <a:t>1</a:t>
+            </a:fld>
+            <a:endParaRPr lang="fr-FR"/>
+          </a:p>
+        </p:txBody>
+      </p:sp>
+      <p:sp>
+        <p:nvSpPr>
+          <p:cNvPr id="21" name="Rectangle 20"/>
+          <p:cNvSpPr/>
+          <p:nvPr/>
+        </p:nvSpPr>
+        <p:spPr>
+          <a:xfrm rot="16200000">
+            <a:off x="-535486" y="1988438"/>
+            <a:ext cx="1800000" cy="428305"/>
+          </a:xfrm>
+          <a:prstGeom prst="rect">
+            <a:avLst/>
+          </a:prstGeom>
+          <a:noFill/>
+          <a:ln>
+            <a:noFill/>
+          </a:ln>
+        </p:spPr>
+        <p:style>
+          <a:lnRef idx="2">
+            <a:schemeClr val="accent1">
+              <a:shade val="50000"/>
+            </a:schemeClr>
+          </a:lnRef>
+          <a:fillRef idx="1">
+            <a:schemeClr val="accent1"/>
+          </a:fillRef>
+          <a:effectRef idx="0">
+            <a:schemeClr val="accent1"/>
+          </a:effectRef>
+          <a:fontRef idx="minor">
+            <a:schemeClr val="lt1"/>
+          </a:fontRef>
+        </p:style>
+        <p:txBody>
+          <a:bodyPr rtlCol="0" anchor="ctr"/>
+          <a:lstStyle/>
+          <a:p>
+            <a:pPr algn="ctr"/>
+            <a:r>
+              <a:rPr lang="fr-FR" sz="1400" b="1" dirty="0">
+                <a:solidFill>
+                  <a:schemeClr val="tx1"/>
+                </a:solidFill>
+              </a:rPr>
+              <a:t>Système souhaité</a:t>
+            </a:r>
+          </a:p>
+        </p:txBody>
+      </p:sp>
+      <p:sp>
+        <p:nvSpPr>
+          <p:cNvPr id="22" name="Rectangle 21"/>
+          <p:cNvSpPr/>
+          <p:nvPr/>
+        </p:nvSpPr>
+        <p:spPr>
+          <a:xfrm rot="16200000">
+            <a:off x="-529212" y="3755560"/>
+            <a:ext cx="1800000" cy="428305"/>
+          </a:xfrm>
+          <a:prstGeom prst="rect">
+            <a:avLst/>
+          </a:prstGeom>
+          <a:noFill/>
+          <a:ln>
+            <a:noFill/>
+          </a:ln>
+        </p:spPr>
+        <p:style>
+          <a:lnRef idx="2">
+            <a:schemeClr val="accent1">
+              <a:shade val="50000"/>
+            </a:schemeClr>
+          </a:lnRef>
+          <a:fillRef idx="1">
+            <a:schemeClr val="accent1"/>
+          </a:fillRef>
+          <a:effectRef idx="0">
+            <a:schemeClr val="accent1"/>
+          </a:effectRef>
+          <a:fontRef idx="minor">
+            <a:schemeClr val="lt1"/>
+          </a:fontRef>
+        </p:style>
+        <p:txBody>
+          <a:bodyPr rtlCol="0" anchor="ctr"/>
+          <a:lstStyle/>
+          <a:p>
+            <a:pPr algn="ctr"/>
+            <a:r>
+              <a:rPr lang="fr-FR" sz="1400" b="1" dirty="0">
+                <a:solidFill>
+                  <a:schemeClr val="tx1"/>
+                </a:solidFill>
+              </a:rPr>
+              <a:t>Système réel</a:t>
+            </a:r>
+          </a:p>
+        </p:txBody>
+      </p:sp>
+      <p:sp>
+        <p:nvSpPr>
+          <p:cNvPr id="23" name="Rectangle 22"/>
+          <p:cNvSpPr/>
+          <p:nvPr/>
+        </p:nvSpPr>
+        <p:spPr>
+          <a:xfrm rot="16200000">
+            <a:off x="-529212" y="5522683"/>
+            <a:ext cx="1800000" cy="428305"/>
+          </a:xfrm>
+          <a:prstGeom prst="rect">
+            <a:avLst/>
+          </a:prstGeom>
+          <a:noFill/>
+          <a:ln>
+            <a:noFill/>
+          </a:ln>
+        </p:spPr>
+        <p:style>
+          <a:lnRef idx="2">
+            <a:schemeClr val="accent1">
+              <a:shade val="50000"/>
+            </a:schemeClr>
+          </a:lnRef>
+          <a:fillRef idx="1">
+            <a:schemeClr val="accent1"/>
+          </a:fillRef>
+          <a:effectRef idx="0">
+            <a:schemeClr val="accent1"/>
+          </a:effectRef>
+          <a:fontRef idx="minor">
+            <a:schemeClr val="lt1"/>
+          </a:fontRef>
+        </p:style>
+        <p:txBody>
+          <a:bodyPr rtlCol="0" anchor="ctr"/>
+          <a:lstStyle/>
+          <a:p>
+            <a:pPr algn="ctr"/>
+            <a:r>
+              <a:rPr lang="fr-FR" sz="1400" b="1" dirty="0">
+                <a:solidFill>
+                  <a:schemeClr val="tx1"/>
+                </a:solidFill>
+              </a:rPr>
+              <a:t>Système simulé</a:t>
+            </a:r>
+          </a:p>
+        </p:txBody>
+      </p:sp>
+      <p:sp>
+        <p:nvSpPr>
+          <p:cNvPr id="33" name="Flèche : droite 32"/>
+          <p:cNvSpPr/>
+          <p:nvPr/>
+        </p:nvSpPr>
+        <p:spPr>
+          <a:xfrm>
+            <a:off x="3591934" y="1897620"/>
+            <a:ext cx="3152138" cy="609938"/>
+          </a:xfrm>
+          <a:prstGeom prst="rightArrow">
+            <a:avLst/>
+          </a:prstGeom>
+          <a:solidFill>
+            <a:schemeClr val="accent5">
+              <a:lumMod val="20000"/>
+              <a:lumOff val="80000"/>
+            </a:schemeClr>
+          </a:solidFill>
+          <a:ln>
+            <a:solidFill>
+              <a:schemeClr val="accent5">
+                <a:lumMod val="50000"/>
+              </a:schemeClr>
+            </a:solidFill>
+          </a:ln>
+        </p:spPr>
+        <p:style>
+          <a:lnRef idx="2">
+            <a:schemeClr val="accent1">
+              <a:shade val="50000"/>
+            </a:schemeClr>
+          </a:lnRef>
+          <a:fillRef idx="1">
+            <a:schemeClr val="accent1"/>
+          </a:fillRef>
+          <a:effectRef idx="0">
+            <a:schemeClr val="accent1"/>
+          </a:effectRef>
+          <a:fontRef idx="minor">
+            <a:schemeClr val="lt1"/>
+          </a:fontRef>
+        </p:style>
+        <p:txBody>
+          <a:bodyPr rtlCol="0" anchor="ctr"/>
+          <a:lstStyle/>
+          <a:p>
+            <a:pPr algn="ctr"/>
+            <a:r>
+              <a:rPr lang="fr-FR" b="1" dirty="0">
+                <a:solidFill>
+                  <a:schemeClr val="tx1"/>
+                </a:solidFill>
+              </a:rPr>
+              <a:t>Domaine du client</a:t>
+            </a:r>
+          </a:p>
+        </p:txBody>
+      </p:sp>
+      <p:sp>
+        <p:nvSpPr>
+          <p:cNvPr id="39" name="Flèche : droite 38"/>
+          <p:cNvSpPr/>
+          <p:nvPr/>
+        </p:nvSpPr>
+        <p:spPr>
+          <a:xfrm>
+            <a:off x="3591934" y="3664742"/>
+            <a:ext cx="3152138" cy="609938"/>
+          </a:xfrm>
+          <a:prstGeom prst="rightArrow">
+            <a:avLst/>
+          </a:prstGeom>
+          <a:solidFill>
+            <a:schemeClr val="accent5">
+              <a:lumMod val="20000"/>
+              <a:lumOff val="80000"/>
+            </a:schemeClr>
+          </a:solidFill>
+          <a:ln>
+            <a:solidFill>
+              <a:schemeClr val="accent5">
+                <a:lumMod val="50000"/>
+              </a:schemeClr>
+            </a:solidFill>
+          </a:ln>
+        </p:spPr>
+        <p:style>
+          <a:lnRef idx="2">
+            <a:schemeClr val="accent1">
+              <a:shade val="50000"/>
+            </a:schemeClr>
+          </a:lnRef>
+          <a:fillRef idx="1">
+            <a:schemeClr val="accent1"/>
+          </a:fillRef>
+          <a:effectRef idx="0">
+            <a:schemeClr val="accent1"/>
+          </a:effectRef>
+          <a:fontRef idx="minor">
+            <a:schemeClr val="lt1"/>
+          </a:fontRef>
+        </p:style>
+        <p:txBody>
+          <a:bodyPr rtlCol="0" anchor="ctr"/>
+          <a:lstStyle/>
+          <a:p>
+            <a:pPr algn="ctr"/>
+            <a:r>
+              <a:rPr lang="fr-FR" b="1" dirty="0">
+                <a:solidFill>
+                  <a:schemeClr val="tx1"/>
+                </a:solidFill>
+              </a:rPr>
+              <a:t>Domaine du laboratoire</a:t>
+            </a:r>
+          </a:p>
+        </p:txBody>
+      </p:sp>
+      <p:sp>
+        <p:nvSpPr>
+          <p:cNvPr id="40" name="Flèche : droite 39"/>
+          <p:cNvSpPr/>
+          <p:nvPr/>
+        </p:nvSpPr>
+        <p:spPr>
+          <a:xfrm>
+            <a:off x="3591934" y="5431864"/>
+            <a:ext cx="3152138" cy="609938"/>
+          </a:xfrm>
+          <a:prstGeom prst="rightArrow">
+            <a:avLst/>
+          </a:prstGeom>
+          <a:solidFill>
+            <a:schemeClr val="accent5">
+              <a:lumMod val="20000"/>
+              <a:lumOff val="80000"/>
+            </a:schemeClr>
+          </a:solidFill>
+          <a:ln>
+            <a:solidFill>
+              <a:schemeClr val="accent5">
+                <a:lumMod val="50000"/>
+              </a:schemeClr>
+            </a:solidFill>
+          </a:ln>
+        </p:spPr>
+        <p:style>
+          <a:lnRef idx="2">
+            <a:schemeClr val="accent1">
+              <a:shade val="50000"/>
+            </a:schemeClr>
+          </a:lnRef>
+          <a:fillRef idx="1">
+            <a:schemeClr val="accent1"/>
+          </a:fillRef>
+          <a:effectRef idx="0">
+            <a:schemeClr val="accent1"/>
+          </a:effectRef>
+          <a:fontRef idx="minor">
+            <a:schemeClr val="lt1"/>
+          </a:fontRef>
+        </p:style>
+        <p:txBody>
+          <a:bodyPr rtlCol="0" anchor="ctr"/>
+          <a:lstStyle/>
+          <a:p>
+            <a:pPr algn="ctr"/>
+            <a:r>
+              <a:rPr lang="fr-FR" b="1" dirty="0">
+                <a:solidFill>
+                  <a:schemeClr val="tx1"/>
+                </a:solidFill>
+              </a:rPr>
+              <a:t>Domaine de la simulation</a:t>
+            </a:r>
+          </a:p>
+        </p:txBody>
+      </p:sp>
+      <p:sp>
+        <p:nvSpPr>
+          <p:cNvPr id="44" name="Rectangle 43"/>
+          <p:cNvSpPr/>
+          <p:nvPr/>
+        </p:nvSpPr>
+        <p:spPr>
+          <a:xfrm>
+            <a:off x="6528047" y="1722219"/>
+            <a:ext cx="2072019" cy="694523"/>
+          </a:xfrm>
+          <a:prstGeom prst="rect">
+            <a:avLst/>
+          </a:prstGeom>
+          <a:noFill/>
+          <a:ln>
+            <a:noFill/>
+          </a:ln>
+        </p:spPr>
+        <p:style>
+          <a:lnRef idx="2">
+            <a:schemeClr val="accent1">
+              <a:shade val="50000"/>
+            </a:schemeClr>
+          </a:lnRef>
+          <a:fillRef idx="1">
+            <a:schemeClr val="accent1"/>
+          </a:fillRef>
+          <a:effectRef idx="0">
+            <a:schemeClr val="accent1"/>
+          </a:effectRef>
+          <a:fontRef idx="minor">
+            <a:schemeClr val="lt1"/>
+          </a:fontRef>
+        </p:style>
+        <p:txBody>
+          <a:bodyPr rtlCol="0" anchor="ctr"/>
+          <a:lstStyle/>
+          <a:p>
+            <a:pPr algn="ctr"/>
+            <a:r>
+              <a:rPr lang="fr-FR" sz="1400" b="1" dirty="0">
+                <a:solidFill>
+                  <a:schemeClr val="tx1"/>
+                </a:solidFill>
+              </a:rPr>
+              <a:t>Perf. souhaitées : </a:t>
+            </a:r>
+          </a:p>
+          <a:p>
+            <a:pPr algn="ctr"/>
+            <a:r>
+              <a:rPr lang="fr-FR" sz="1400" b="1" dirty="0">
+                <a:solidFill>
+                  <a:schemeClr val="tx1"/>
+                </a:solidFill>
+              </a:rPr>
+              <a:t>Temps ouverture &lt;1s</a:t>
+            </a:r>
+          </a:p>
+          <a:p>
+            <a:pPr algn="ctr"/>
+            <a:r>
+              <a:rPr lang="fr-FR" sz="1400" b="1" dirty="0">
+                <a:solidFill>
+                  <a:schemeClr val="tx1"/>
+                </a:solidFill>
+              </a:rPr>
+              <a:t>Temps fermeture &lt;2s</a:t>
+            </a:r>
+          </a:p>
+        </p:txBody>
+      </p:sp>
+      <p:sp>
+        <p:nvSpPr>
+          <p:cNvPr id="45" name="Rectangle 44"/>
+          <p:cNvSpPr/>
+          <p:nvPr/>
+        </p:nvSpPr>
+        <p:spPr>
+          <a:xfrm>
+            <a:off x="6528048" y="3755560"/>
+            <a:ext cx="2072018" cy="428305"/>
+          </a:xfrm>
+          <a:prstGeom prst="rect">
+            <a:avLst/>
+          </a:prstGeom>
+          <a:noFill/>
+          <a:ln>
+            <a:noFill/>
+          </a:ln>
+        </p:spPr>
+        <p:style>
+          <a:lnRef idx="2">
+            <a:schemeClr val="accent1">
+              <a:shade val="50000"/>
+            </a:schemeClr>
+          </a:lnRef>
+          <a:fillRef idx="1">
+            <a:schemeClr val="accent1"/>
+          </a:fillRef>
+          <a:effectRef idx="0">
+            <a:schemeClr val="accent1"/>
+          </a:effectRef>
+          <a:fontRef idx="minor">
+            <a:schemeClr val="lt1"/>
+          </a:fontRef>
+        </p:style>
+        <p:txBody>
+          <a:bodyPr rtlCol="0" anchor="ctr"/>
+          <a:lstStyle/>
+          <a:p>
+            <a:pPr algn="ctr"/>
+            <a:r>
+              <a:rPr lang="fr-FR" sz="1400" b="1" dirty="0">
+                <a:solidFill>
+                  <a:schemeClr val="tx1"/>
+                </a:solidFill>
+              </a:rPr>
+              <a:t>Perf mesurées </a:t>
+            </a:r>
+          </a:p>
+          <a:p>
+            <a:pPr algn="ctr"/>
+            <a:r>
+              <a:rPr lang="fr-FR" sz="1400" b="1" dirty="0">
+                <a:solidFill>
+                  <a:schemeClr val="tx1"/>
+                </a:solidFill>
+              </a:rPr>
+              <a:t>Temps ouverture 2,6 s</a:t>
+            </a:r>
+          </a:p>
+          <a:p>
+            <a:pPr algn="ctr"/>
+            <a:r>
+              <a:rPr lang="fr-FR" sz="1400" b="1" dirty="0">
+                <a:solidFill>
+                  <a:schemeClr val="tx1"/>
+                </a:solidFill>
+              </a:rPr>
+              <a:t>Temps fermeture 2,9s</a:t>
+            </a:r>
+          </a:p>
+        </p:txBody>
+      </p:sp>
+      <p:sp>
+        <p:nvSpPr>
+          <p:cNvPr id="46" name="Rectangle 45"/>
+          <p:cNvSpPr/>
+          <p:nvPr/>
+        </p:nvSpPr>
+        <p:spPr>
+          <a:xfrm>
+            <a:off x="6528048" y="5522683"/>
+            <a:ext cx="1800000" cy="428305"/>
+          </a:xfrm>
+          <a:prstGeom prst="rect">
+            <a:avLst/>
+          </a:prstGeom>
+          <a:noFill/>
+          <a:ln>
+            <a:noFill/>
+          </a:ln>
+        </p:spPr>
+        <p:style>
+          <a:lnRef idx="2">
+            <a:schemeClr val="accent1">
+              <a:shade val="50000"/>
+            </a:schemeClr>
+          </a:lnRef>
+          <a:fillRef idx="1">
+            <a:schemeClr val="accent1"/>
+          </a:fillRef>
+          <a:effectRef idx="0">
+            <a:schemeClr val="accent1"/>
+          </a:effectRef>
+          <a:fontRef idx="minor">
+            <a:schemeClr val="lt1"/>
+          </a:fontRef>
+        </p:style>
+        <p:txBody>
+          <a:bodyPr rtlCol="0" anchor="ctr"/>
+          <a:lstStyle/>
+          <a:p>
+            <a:pPr algn="ctr"/>
+            <a:r>
+              <a:rPr lang="fr-FR" sz="1400" b="1" dirty="0">
+                <a:solidFill>
+                  <a:schemeClr val="tx1"/>
+                </a:solidFill>
+              </a:rPr>
+              <a:t>Performances simulées</a:t>
+            </a:r>
+          </a:p>
+        </p:txBody>
+      </p:sp>
+      <p:sp>
+        <p:nvSpPr>
+          <p:cNvPr id="12" name="Flèche : double flèche verticale 11"/>
+          <p:cNvSpPr/>
+          <p:nvPr/>
+        </p:nvSpPr>
+        <p:spPr>
+          <a:xfrm>
+            <a:off x="7178148" y="2507558"/>
+            <a:ext cx="499800" cy="1157184"/>
+          </a:xfrm>
+          <a:prstGeom prst="upDownArrow">
+            <a:avLst/>
+          </a:prstGeom>
+          <a:solidFill>
+            <a:schemeClr val="accent2">
+              <a:lumMod val="20000"/>
+              <a:lumOff val="80000"/>
+            </a:schemeClr>
+          </a:solidFill>
+          <a:ln>
+            <a:solidFill>
+              <a:schemeClr val="accent2">
+                <a:lumMod val="75000"/>
+              </a:schemeClr>
+            </a:solidFill>
+          </a:ln>
+        </p:spPr>
+        <p:style>
+          <a:lnRef idx="2">
+            <a:schemeClr val="accent1">
+              <a:shade val="50000"/>
+            </a:schemeClr>
+          </a:lnRef>
+          <a:fillRef idx="1">
+            <a:schemeClr val="accent1"/>
+          </a:fillRef>
+          <a:effectRef idx="0">
+            <a:schemeClr val="accent1"/>
+          </a:effectRef>
+          <a:fontRef idx="minor">
+            <a:schemeClr val="lt1"/>
+          </a:fontRef>
+        </p:style>
+        <p:txBody>
+          <a:bodyPr rtlCol="0" anchor="ctr"/>
+          <a:lstStyle/>
+          <a:p>
+            <a:pPr algn="ctr"/>
+            <a:endParaRPr lang="fr-FR"/>
+          </a:p>
+        </p:txBody>
+      </p:sp>
+      <p:sp>
+        <p:nvSpPr>
+          <p:cNvPr id="47" name="Flèche : double flèche verticale 46"/>
+          <p:cNvSpPr/>
+          <p:nvPr/>
+        </p:nvSpPr>
+        <p:spPr>
+          <a:xfrm>
+            <a:off x="7178148" y="4274680"/>
+            <a:ext cx="499800" cy="1157184"/>
+          </a:xfrm>
+          <a:prstGeom prst="upDownArrow">
+            <a:avLst/>
+          </a:prstGeom>
+          <a:solidFill>
+            <a:schemeClr val="accent2">
+              <a:lumMod val="20000"/>
+              <a:lumOff val="80000"/>
+            </a:schemeClr>
+          </a:solidFill>
+          <a:ln>
+            <a:solidFill>
+              <a:schemeClr val="accent2">
+                <a:lumMod val="75000"/>
+              </a:schemeClr>
+            </a:solidFill>
+          </a:ln>
+        </p:spPr>
+        <p:style>
+          <a:lnRef idx="2">
+            <a:schemeClr val="accent1">
+              <a:shade val="50000"/>
+            </a:schemeClr>
+          </a:lnRef>
+          <a:fillRef idx="1">
+            <a:schemeClr val="accent1"/>
+          </a:fillRef>
+          <a:effectRef idx="0">
+            <a:schemeClr val="accent1"/>
+          </a:effectRef>
+          <a:fontRef idx="minor">
+            <a:schemeClr val="lt1"/>
+          </a:fontRef>
+        </p:style>
+        <p:txBody>
+          <a:bodyPr rtlCol="0" anchor="ctr"/>
+          <a:lstStyle/>
+          <a:p>
+            <a:pPr algn="ctr"/>
+            <a:endParaRPr lang="fr-FR"/>
+          </a:p>
+        </p:txBody>
+      </p:sp>
+      <p:sp>
+        <p:nvSpPr>
+          <p:cNvPr id="50" name="Rectangle 49"/>
+          <p:cNvSpPr/>
+          <p:nvPr/>
+        </p:nvSpPr>
+        <p:spPr>
+          <a:xfrm>
+            <a:off x="7493545" y="2462796"/>
+            <a:ext cx="1236957" cy="1157183"/>
+          </a:xfrm>
+          <a:prstGeom prst="rect">
+            <a:avLst/>
+          </a:prstGeom>
+          <a:noFill/>
+          <a:ln>
+            <a:noFill/>
+          </a:ln>
+        </p:spPr>
+        <p:style>
+          <a:lnRef idx="2">
+            <a:schemeClr val="accent1">
+              <a:shade val="50000"/>
+            </a:schemeClr>
+          </a:lnRef>
+          <a:fillRef idx="1">
+            <a:schemeClr val="accent1"/>
+          </a:fillRef>
+          <a:effectRef idx="0">
+            <a:schemeClr val="accent1"/>
+          </a:effectRef>
+          <a:fontRef idx="minor">
+            <a:schemeClr val="lt1"/>
+          </a:fontRef>
+        </p:style>
+        <p:txBody>
+          <a:bodyPr rtlCol="0" anchor="ctr"/>
+          <a:lstStyle/>
+          <a:p>
+            <a:pPr algn="ctr"/>
+            <a:r>
+              <a:rPr lang="fr-FR" sz="1400" b="1" dirty="0">
+                <a:solidFill>
+                  <a:schemeClr val="tx1"/>
+                </a:solidFill>
+              </a:rPr>
+              <a:t>Écart de près de 2s</a:t>
+            </a:r>
+          </a:p>
+        </p:txBody>
+      </p:sp>
       <p:pic>
         <p:nvPicPr>
-          <p:cNvPr id="28" name="Image 27"/>
-          <p:cNvPicPr>
-            <a:picLocks noChangeAspect="1"/>
-          </p:cNvPicPr>
+          <p:cNvPr id="25" name="Image 24" descr="C:\Users\Xavier\Desktop\Perso\Concours\CCP_PSI\2015_Sujets\182_XP_Sympact\SysML\Exigences.png">
+            <a:extLst>
+              <a:ext uri="{FF2B5EF4-FFF2-40B4-BE49-F238E27FC236}">
+                <a16:creationId xmlns:a16="http://schemas.microsoft.com/office/drawing/2014/main" id="{5D58BBFB-669C-409E-9DFD-F82DF9230B07}"/>
+              </a:ext>
+            </a:extLst>
+          </p:cNvPr>
+          <p:cNvPicPr/>
+          <p:nvPr/>
+        </p:nvPicPr>
+        <p:blipFill rotWithShape="1">
+          <a:blip r:embed="rId2" cstate="print">
+            <a:extLst>
+              <a:ext uri="{28A0092B-C50C-407E-A947-70E740481C1C}">
+                <a14:useLocalDpi xmlns:a14="http://schemas.microsoft.com/office/drawing/2010/main" val="0"/>
+              </a:ext>
+            </a:extLst>
+          </a:blip>
+          <a:srcRect l="37483" t="86305" r="1717" b="1717"/>
+          <a:stretch/>
+        </p:blipFill>
+        <p:spPr bwMode="auto">
+          <a:xfrm>
+            <a:off x="669468" y="2281125"/>
+            <a:ext cx="2827818" cy="580500"/>
+          </a:xfrm>
+          <a:prstGeom prst="rect">
+            <a:avLst/>
+          </a:prstGeom>
+          <a:noFill/>
+          <a:ln>
+            <a:noFill/>
+          </a:ln>
+        </p:spPr>
+      </p:pic>
+      <p:pic>
+        <p:nvPicPr>
+          <p:cNvPr id="26" name="Image 25" descr="C:\Users\Xavier\Desktop\Perso\Concours\CCP_PSI\2015_Sujets\182_XP_Sympact\SysML\Exigences.png">
+            <a:extLst>
+              <a:ext uri="{FF2B5EF4-FFF2-40B4-BE49-F238E27FC236}">
+                <a16:creationId xmlns:a16="http://schemas.microsoft.com/office/drawing/2014/main" id="{48829E0D-2DC5-4E5B-BF34-20BB9ECB0822}"/>
+              </a:ext>
+            </a:extLst>
+          </p:cNvPr>
+          <p:cNvPicPr/>
+          <p:nvPr/>
+        </p:nvPicPr>
+        <p:blipFill rotWithShape="1">
+          <a:blip r:embed="rId2" cstate="print">
+            <a:extLst>
+              <a:ext uri="{28A0092B-C50C-407E-A947-70E740481C1C}">
+                <a14:useLocalDpi xmlns:a14="http://schemas.microsoft.com/office/drawing/2010/main" val="0"/>
+              </a:ext>
+            </a:extLst>
+          </a:blip>
+          <a:srcRect l="36603" t="19530" r="1249" b="66447"/>
+          <a:stretch/>
+        </p:blipFill>
+        <p:spPr bwMode="auto">
+          <a:xfrm>
+            <a:off x="637845" y="1559712"/>
+            <a:ext cx="2954090" cy="694524"/>
+          </a:xfrm>
+          <a:prstGeom prst="rect">
+            <a:avLst/>
+          </a:prstGeom>
+          <a:noFill/>
+          <a:ln>
+            <a:noFill/>
+          </a:ln>
+        </p:spPr>
+      </p:pic>
+      <p:pic>
+        <p:nvPicPr>
+          <p:cNvPr id="27" name="Image 26">
+            <a:extLst>
+              <a:ext uri="{FF2B5EF4-FFF2-40B4-BE49-F238E27FC236}">
+                <a16:creationId xmlns:a16="http://schemas.microsoft.com/office/drawing/2014/main" id="{9CCD81D3-E3C0-4474-950A-1EBCEFF1E024}"/>
+              </a:ext>
+            </a:extLst>
+          </p:cNvPr>
+          <p:cNvPicPr/>
           <p:nvPr/>
         </p:nvPicPr>
         <p:blipFill>
-          <a:blip r:embed="rId2"/>
+          <a:blip r:embed="rId3" cstate="print">
+            <a:extLst>
+              <a:ext uri="{28A0092B-C50C-407E-A947-70E740481C1C}">
+                <a14:useLocalDpi xmlns:a14="http://schemas.microsoft.com/office/drawing/2010/main" val="0"/>
+              </a:ext>
+            </a:extLst>
+          </a:blip>
+          <a:srcRect/>
           <a:stretch>
             <a:fillRect/>
           </a:stretch>
         </p:blipFill>
-        <p:spPr>
-          <a:xfrm>
-            <a:off x="5385043" y="2875721"/>
-            <a:ext cx="6497952" cy="3363750"/>
+        <p:spPr bwMode="auto">
+          <a:xfrm>
+            <a:off x="1768509" y="3483399"/>
+            <a:ext cx="1823425" cy="1096065"/>
           </a:xfrm>
           <a:prstGeom prst="rect">
             <a:avLst/>
           </a:prstGeom>
+          <a:noFill/>
         </p:spPr>
       </p:pic>
-      <p:sp>
-        <p:nvSpPr>
-          <p:cNvPr id="20" name="Titre 1">
-            <a:extLst>
-              <a:ext uri="{FF2B5EF4-FFF2-40B4-BE49-F238E27FC236}">
-                <a16:creationId xmlns:a16="http://schemas.microsoft.com/office/drawing/2014/main" id="{84B0062F-7EDE-4F47-A43E-D45743BC62CB}"/>
+      <p:pic>
+        <p:nvPicPr>
+          <p:cNvPr id="28" name="Image 27">
+            <a:extLst>
+              <a:ext uri="{FF2B5EF4-FFF2-40B4-BE49-F238E27FC236}">
+                <a16:creationId xmlns:a16="http://schemas.microsoft.com/office/drawing/2014/main" id="{32765D64-9778-4A08-B3D3-BDB7F3B2CE0C}"/>
+              </a:ext>
+            </a:extLst>
+          </p:cNvPr>
+          <p:cNvPicPr/>
+          <p:nvPr/>
+        </p:nvPicPr>
+        <p:blipFill>
+          <a:blip r:embed="rId4"/>
+          <a:stretch>
+            <a:fillRect/>
+          </a:stretch>
+        </p:blipFill>
+        <p:spPr>
+          <a:xfrm>
+            <a:off x="944985" y="2747815"/>
+            <a:ext cx="1221740" cy="2015490"/>
+          </a:xfrm>
+          <a:prstGeom prst="rect">
+            <a:avLst/>
+          </a:prstGeom>
+        </p:spPr>
+      </p:pic>
+      <p:sp>
+        <p:nvSpPr>
+          <p:cNvPr id="29" name="Titre 1">
+            <a:extLst>
+              <a:ext uri="{FF2B5EF4-FFF2-40B4-BE49-F238E27FC236}">
+                <a16:creationId xmlns:a16="http://schemas.microsoft.com/office/drawing/2014/main" id="{ADC32C7A-1B1A-4F88-97CE-E7DF154960C4}"/>
               </a:ext>
             </a:extLst>
           </p:cNvPr>
@@ -3382,7 +4238,7 @@
         </p:nvSpPr>
         <p:spPr>
           <a:xfrm>
-            <a:off x="0" y="7320"/>
+            <a:off x="0" y="-125200"/>
             <a:ext cx="12192000" cy="867630"/>
           </a:xfrm>
         </p:spPr>
@@ -3402,10 +4258,10 @@
       </p:sp>
       <p:sp>
         <p:nvSpPr>
-          <p:cNvPr id="21" name="Titre 1">
-            <a:extLst>
-              <a:ext uri="{FF2B5EF4-FFF2-40B4-BE49-F238E27FC236}">
-                <a16:creationId xmlns:a16="http://schemas.microsoft.com/office/drawing/2014/main" id="{42AE2540-63EC-4CCB-8A4C-E9CF098252A0}"/>
+          <p:cNvPr id="30" name="Titre 1">
+            <a:extLst>
+              <a:ext uri="{FF2B5EF4-FFF2-40B4-BE49-F238E27FC236}">
+                <a16:creationId xmlns:a16="http://schemas.microsoft.com/office/drawing/2014/main" id="{99A113C0-A626-48D9-96B6-63227568DFA5}"/>
               </a:ext>
             </a:extLst>
           </p:cNvPr>
@@ -3416,7 +4272,7 @@
         </p:nvSpPr>
         <p:spPr>
           <a:xfrm>
-            <a:off x="0" y="1033059"/>
+            <a:off x="0" y="622239"/>
             <a:ext cx="12192000" cy="867630"/>
           </a:xfrm>
           <a:prstGeom prst="rect">
@@ -3480,33 +4336,74 @@
           </a:p>
         </p:txBody>
       </p:sp>
-      <p:pic>
-        <p:nvPicPr>
-          <p:cNvPr id="22" name="Image 21" descr="C:\Users\Xavier\Desktop\Perso\Concours\CCP_PSI\2015_Sujets\182_XP_Sympact\SysML\Exigences.png">
-            <a:extLst>
-              <a:ext uri="{FF2B5EF4-FFF2-40B4-BE49-F238E27FC236}">
-                <a16:creationId xmlns:a16="http://schemas.microsoft.com/office/drawing/2014/main" id="{0E193F98-2F42-42DA-8E97-AA0E80E04578}"/>
-              </a:ext>
-            </a:extLst>
-          </p:cNvPr>
-          <p:cNvPicPr/>
+      <p:sp>
+        <p:nvSpPr>
+          <p:cNvPr id="31" name="Flèche : droite 30">
+            <a:extLst>
+              <a:ext uri="{FF2B5EF4-FFF2-40B4-BE49-F238E27FC236}">
+                <a16:creationId xmlns:a16="http://schemas.microsoft.com/office/drawing/2014/main" id="{F882124A-2913-49AD-9307-7E07C5C51551}"/>
+              </a:ext>
+            </a:extLst>
+          </p:cNvPr>
+          <p:cNvSpPr/>
           <p:nvPr/>
-        </p:nvPicPr>
-        <p:blipFill rotWithShape="1">
-          <a:blip r:embed="rId3" cstate="print">
-            <a:extLst>
-              <a:ext uri="{28A0092B-C50C-407E-A947-70E740481C1C}">
-                <a14:useLocalDpi xmlns:a14="http://schemas.microsoft.com/office/drawing/2010/main" val="0"/>
-              </a:ext>
-            </a:extLst>
-          </a:blip>
-          <a:srcRect l="37483" t="86305" r="1717" b="1717"/>
-          <a:stretch/>
-        </p:blipFill>
-        <p:spPr bwMode="auto">
-          <a:xfrm>
-            <a:off x="2146029" y="3697855"/>
-            <a:ext cx="3239013" cy="664911"/>
+        </p:nvSpPr>
+        <p:spPr>
+          <a:xfrm>
+            <a:off x="8640068" y="2736418"/>
+            <a:ext cx="1236957" cy="609938"/>
+          </a:xfrm>
+          <a:prstGeom prst="rightArrow">
+            <a:avLst/>
+          </a:prstGeom>
+          <a:ln/>
+        </p:spPr>
+        <p:style>
+          <a:lnRef idx="1">
+            <a:schemeClr val="accent6"/>
+          </a:lnRef>
+          <a:fillRef idx="2">
+            <a:schemeClr val="accent6"/>
+          </a:fillRef>
+          <a:effectRef idx="1">
+            <a:schemeClr val="accent6"/>
+          </a:effectRef>
+          <a:fontRef idx="minor">
+            <a:schemeClr val="dk1"/>
+          </a:fontRef>
+        </p:style>
+        <p:txBody>
+          <a:bodyPr rtlCol="0" anchor="ctr"/>
+          <a:lstStyle/>
+          <a:p>
+            <a:pPr algn="ctr"/>
+            <a:r>
+              <a:rPr lang="fr-FR" sz="1100" b="1" dirty="0">
+                <a:solidFill>
+                  <a:schemeClr val="tx1"/>
+                </a:solidFill>
+              </a:rPr>
+              <a:t>Choix N (tr/min)</a:t>
+            </a:r>
+          </a:p>
+        </p:txBody>
+      </p:sp>
+      <p:sp>
+        <p:nvSpPr>
+          <p:cNvPr id="32" name="Rectangle 31">
+            <a:extLst>
+              <a:ext uri="{FF2B5EF4-FFF2-40B4-BE49-F238E27FC236}">
+                <a16:creationId xmlns:a16="http://schemas.microsoft.com/office/drawing/2014/main" id="{D4187DE1-83DF-4A43-9F8B-026B7A538D45}"/>
+              </a:ext>
+            </a:extLst>
+          </p:cNvPr>
+          <p:cNvSpPr/>
+          <p:nvPr/>
+        </p:nvSpPr>
+        <p:spPr>
+          <a:xfrm>
+            <a:off x="9982200" y="2672565"/>
+            <a:ext cx="1236957" cy="737643"/>
           </a:xfrm>
           <a:prstGeom prst="rect">
             <a:avLst/>
@@ -3516,34 +4413,102 @@
             <a:noFill/>
           </a:ln>
         </p:spPr>
-      </p:pic>
-      <p:pic>
-        <p:nvPicPr>
-          <p:cNvPr id="23" name="Image 22" descr="C:\Users\Xavier\Desktop\Perso\Concours\CCP_PSI\2015_Sujets\182_XP_Sympact\SysML\Exigences.png">
-            <a:extLst>
-              <a:ext uri="{FF2B5EF4-FFF2-40B4-BE49-F238E27FC236}">
-                <a16:creationId xmlns:a16="http://schemas.microsoft.com/office/drawing/2014/main" id="{B314522B-9669-4023-A7CD-1F0B91264F6E}"/>
-              </a:ext>
-            </a:extLst>
-          </p:cNvPr>
-          <p:cNvPicPr/>
+        <p:style>
+          <a:lnRef idx="2">
+            <a:schemeClr val="accent1">
+              <a:shade val="50000"/>
+            </a:schemeClr>
+          </a:lnRef>
+          <a:fillRef idx="1">
+            <a:schemeClr val="accent1"/>
+          </a:fillRef>
+          <a:effectRef idx="0">
+            <a:schemeClr val="accent1"/>
+          </a:effectRef>
+          <a:fontRef idx="minor">
+            <a:schemeClr val="lt1"/>
+          </a:fontRef>
+        </p:style>
+        <p:txBody>
+          <a:bodyPr rtlCol="0" anchor="ctr"/>
+          <a:lstStyle/>
+          <a:p>
+            <a:pPr algn="ctr"/>
+            <a:r>
+              <a:rPr lang="fr-FR" sz="1400" b="1" dirty="0">
+                <a:solidFill>
+                  <a:srgbClr val="FF0000"/>
+                </a:solidFill>
+              </a:rPr>
+              <a:t>Augmenter la vitesse de pilotage</a:t>
+            </a:r>
+          </a:p>
+        </p:txBody>
+      </p:sp>
+      <p:sp>
+        <p:nvSpPr>
+          <p:cNvPr id="6" name="Flèche : virage 5">
+            <a:extLst>
+              <a:ext uri="{FF2B5EF4-FFF2-40B4-BE49-F238E27FC236}">
+                <a16:creationId xmlns:a16="http://schemas.microsoft.com/office/drawing/2014/main" id="{C33410DE-DFC1-4FBE-82D4-040E1BCACCFD}"/>
+              </a:ext>
+            </a:extLst>
+          </p:cNvPr>
+          <p:cNvSpPr/>
           <p:nvPr/>
-        </p:nvPicPr>
-        <p:blipFill rotWithShape="1">
-          <a:blip r:embed="rId3" cstate="print">
-            <a:extLst>
-              <a:ext uri="{28A0092B-C50C-407E-A947-70E740481C1C}">
-                <a14:useLocalDpi xmlns:a14="http://schemas.microsoft.com/office/drawing/2010/main" val="0"/>
-              </a:ext>
-            </a:extLst>
-          </a:blip>
-          <a:srcRect l="36603" t="19530" r="1249" b="66447"/>
-          <a:stretch/>
-        </p:blipFill>
-        <p:spPr bwMode="auto">
-          <a:xfrm>
-            <a:off x="2146029" y="2779389"/>
-            <a:ext cx="3239013" cy="761511"/>
+        </p:nvSpPr>
+        <p:spPr>
+          <a:xfrm flipV="1">
+            <a:off x="10517815" y="3483399"/>
+            <a:ext cx="729200" cy="365125"/>
+          </a:xfrm>
+          <a:prstGeom prst="bentArrow">
+            <a:avLst/>
+          </a:prstGeom>
+        </p:spPr>
+        <p:style>
+          <a:lnRef idx="1">
+            <a:schemeClr val="accent2"/>
+          </a:lnRef>
+          <a:fillRef idx="2">
+            <a:schemeClr val="accent2"/>
+          </a:fillRef>
+          <a:effectRef idx="1">
+            <a:schemeClr val="accent2"/>
+          </a:effectRef>
+          <a:fontRef idx="minor">
+            <a:schemeClr val="dk1"/>
+          </a:fontRef>
+        </p:style>
+        <p:txBody>
+          <a:bodyPr rtlCol="0" anchor="ctr"/>
+          <a:lstStyle/>
+          <a:p>
+            <a:pPr algn="ctr"/>
+            <a:endParaRPr lang="fr-FR">
+              <a:solidFill>
+                <a:schemeClr val="tx1"/>
+              </a:solidFill>
+            </a:endParaRPr>
+          </a:p>
+        </p:txBody>
+      </p:sp>
+      <p:sp>
+        <p:nvSpPr>
+          <p:cNvPr id="34" name="Rectangle 33">
+            <a:extLst>
+              <a:ext uri="{FF2B5EF4-FFF2-40B4-BE49-F238E27FC236}">
+                <a16:creationId xmlns:a16="http://schemas.microsoft.com/office/drawing/2014/main" id="{BFDA1874-A6CB-4D4E-940F-84054E2DA3E3}"/>
+              </a:ext>
+            </a:extLst>
+          </p:cNvPr>
+          <p:cNvSpPr/>
+          <p:nvPr/>
+        </p:nvSpPr>
+        <p:spPr>
+          <a:xfrm>
+            <a:off x="11172197" y="3370634"/>
+            <a:ext cx="1236957" cy="737643"/>
           </a:xfrm>
           <a:prstGeom prst="rect">
             <a:avLst/>
@@ -3553,39 +4518,447 @@
             <a:noFill/>
           </a:ln>
         </p:spPr>
-      </p:pic>
-      <p:sp>
-        <p:nvSpPr>
-          <p:cNvPr id="10" name="ZoneTexte 9">
-            <a:extLst>
-              <a:ext uri="{FF2B5EF4-FFF2-40B4-BE49-F238E27FC236}">
-                <a16:creationId xmlns:a16="http://schemas.microsoft.com/office/drawing/2014/main" id="{D6E099B7-F8AA-497B-93B0-B1D80BC52E66}"/>
-              </a:ext>
-            </a:extLst>
-          </p:cNvPr>
-          <p:cNvSpPr txBox="1"/>
+        <p:style>
+          <a:lnRef idx="2">
+            <a:schemeClr val="accent1">
+              <a:shade val="50000"/>
+            </a:schemeClr>
+          </a:lnRef>
+          <a:fillRef idx="1">
+            <a:schemeClr val="accent1"/>
+          </a:fillRef>
+          <a:effectRef idx="0">
+            <a:schemeClr val="accent1"/>
+          </a:effectRef>
+          <a:fontRef idx="minor">
+            <a:schemeClr val="lt1"/>
+          </a:fontRef>
+        </p:style>
+        <p:txBody>
+          <a:bodyPr rtlCol="0" anchor="ctr"/>
+          <a:lstStyle/>
+          <a:p>
+            <a:pPr algn="ctr"/>
+            <a:r>
+              <a:rPr lang="fr-FR" sz="1400" b="1" dirty="0">
+                <a:solidFill>
+                  <a:schemeClr val="tx1"/>
+                </a:solidFill>
+              </a:rPr>
+              <a:t>A coups sur la barrière</a:t>
+            </a:r>
+          </a:p>
+        </p:txBody>
+      </p:sp>
+      <p:pic>
+        <p:nvPicPr>
+          <p:cNvPr id="35" name="Image 34">
+            <a:extLst>
+              <a:ext uri="{FF2B5EF4-FFF2-40B4-BE49-F238E27FC236}">
+                <a16:creationId xmlns:a16="http://schemas.microsoft.com/office/drawing/2014/main" id="{6D3E0923-311A-460B-8C0A-09786B253058}"/>
+              </a:ext>
+            </a:extLst>
+          </p:cNvPr>
+          <p:cNvPicPr/>
           <p:nvPr/>
-        </p:nvSpPr>
-        <p:spPr>
-          <a:xfrm rot="16200000">
-            <a:off x="128593" y="2593615"/>
-            <a:ext cx="2519975" cy="923330"/>
+        </p:nvPicPr>
+        <p:blipFill>
+          <a:blip r:embed="rId5" cstate="print">
+            <a:extLst>
+              <a:ext uri="{28A0092B-C50C-407E-A947-70E740481C1C}">
+                <a14:useLocalDpi xmlns:a14="http://schemas.microsoft.com/office/drawing/2010/main" val="0"/>
+              </a:ext>
+            </a:extLst>
+          </a:blip>
+          <a:srcRect/>
+          <a:stretch>
+            <a:fillRect/>
+          </a:stretch>
+        </p:blipFill>
+        <p:spPr bwMode="auto">
+          <a:xfrm>
+            <a:off x="628253" y="5011031"/>
+            <a:ext cx="843290" cy="1451604"/>
           </a:xfrm>
           <a:prstGeom prst="rect">
             <a:avLst/>
           </a:prstGeom>
           <a:noFill/>
         </p:spPr>
-        <p:txBody>
-          <a:bodyPr wrap="square" rtlCol="0">
-            <a:spAutoFit/>
-          </a:bodyPr>
+      </p:pic>
+      <p:pic>
+        <p:nvPicPr>
+          <p:cNvPr id="1026" name="Picture 2" descr="http://tsi.ljf.free.fr/ATS/docs/S2I/TP/TP-CY4-SYMPACT/images/TP/sw4.png">
+            <a:extLst>
+              <a:ext uri="{FF2B5EF4-FFF2-40B4-BE49-F238E27FC236}">
+                <a16:creationId xmlns:a16="http://schemas.microsoft.com/office/drawing/2014/main" id="{2C42DA5D-1D21-47E1-A263-1D5B2992AD72}"/>
+              </a:ext>
+            </a:extLst>
+          </p:cNvPr>
+          <p:cNvPicPr>
+            <a:picLocks noChangeAspect="1" noChangeArrowheads="1"/>
+          </p:cNvPicPr>
+          <p:nvPr/>
+        </p:nvPicPr>
+        <p:blipFill>
+          <a:blip r:embed="rId6">
+            <a:extLst>
+              <a:ext uri="{28A0092B-C50C-407E-A947-70E740481C1C}">
+                <a14:useLocalDpi xmlns:a14="http://schemas.microsoft.com/office/drawing/2010/main" val="0"/>
+              </a:ext>
+            </a:extLst>
+          </a:blip>
+          <a:srcRect/>
+          <a:stretch>
+            <a:fillRect/>
+          </a:stretch>
+        </p:blipFill>
+        <p:spPr bwMode="auto">
+          <a:xfrm>
+            <a:off x="1210797" y="4821250"/>
+            <a:ext cx="2105468" cy="1558892"/>
+          </a:xfrm>
+          <a:prstGeom prst="rect">
+            <a:avLst/>
+          </a:prstGeom>
+          <a:noFill/>
+          <a:extLst>
+            <a:ext uri="{909E8E84-426E-40DD-AFC4-6F175D3DCCD1}">
+              <a14:hiddenFill xmlns:a14="http://schemas.microsoft.com/office/drawing/2010/main">
+                <a:solidFill>
+                  <a:srgbClr val="FFFFFF"/>
+                </a:solidFill>
+              </a14:hiddenFill>
+            </a:ext>
+          </a:extLst>
+        </p:spPr>
+      </p:pic>
+      <p:sp>
+        <p:nvSpPr>
+          <p:cNvPr id="37" name="Flèche : droite 36">
+            <a:extLst>
+              <a:ext uri="{FF2B5EF4-FFF2-40B4-BE49-F238E27FC236}">
+                <a16:creationId xmlns:a16="http://schemas.microsoft.com/office/drawing/2014/main" id="{043ABABB-C304-4770-B819-44BC68A7485A}"/>
+              </a:ext>
+            </a:extLst>
+          </p:cNvPr>
+          <p:cNvSpPr/>
+          <p:nvPr/>
+        </p:nvSpPr>
+        <p:spPr>
+          <a:xfrm rot="19800000">
+            <a:off x="3389756" y="6139661"/>
+            <a:ext cx="1469486" cy="414967"/>
+          </a:xfrm>
+          <a:prstGeom prst="rightArrow">
+            <a:avLst/>
+          </a:prstGeom>
+          <a:solidFill>
+            <a:schemeClr val="accent5">
+              <a:lumMod val="20000"/>
+              <a:lumOff val="80000"/>
+            </a:schemeClr>
+          </a:solidFill>
+          <a:ln>
+            <a:solidFill>
+              <a:schemeClr val="accent5">
+                <a:lumMod val="50000"/>
+              </a:schemeClr>
+            </a:solidFill>
+          </a:ln>
+        </p:spPr>
+        <p:style>
+          <a:lnRef idx="2">
+            <a:schemeClr val="accent1">
+              <a:shade val="50000"/>
+            </a:schemeClr>
+          </a:lnRef>
+          <a:fillRef idx="1">
+            <a:schemeClr val="accent1"/>
+          </a:fillRef>
+          <a:effectRef idx="0">
+            <a:schemeClr val="accent1"/>
+          </a:effectRef>
+          <a:fontRef idx="minor">
+            <a:schemeClr val="lt1"/>
+          </a:fontRef>
+        </p:style>
+        <p:txBody>
+          <a:bodyPr rtlCol="0" anchor="ctr"/>
           <a:lstStyle/>
           <a:p>
             <a:pPr algn="ctr"/>
             <a:r>
-              <a:rPr lang="fr-FR" dirty="0"/>
-              <a:t>Paramètres cinématiques et dynamiques</a:t>
+              <a:rPr lang="fr-FR" sz="1400" b="1" dirty="0">
+                <a:solidFill>
+                  <a:schemeClr val="tx1"/>
+                </a:solidFill>
+              </a:rPr>
+              <a:t>Effets dyn.</a:t>
+            </a:r>
+          </a:p>
+        </p:txBody>
+      </p:sp>
+      <p:pic>
+        <p:nvPicPr>
+          <p:cNvPr id="38" name="Image 37" descr="D:\PuissanceMoteur_Dyn.png">
+            <a:extLst>
+              <a:ext uri="{FF2B5EF4-FFF2-40B4-BE49-F238E27FC236}">
+                <a16:creationId xmlns:a16="http://schemas.microsoft.com/office/drawing/2014/main" id="{D7F8640F-7DCC-4EEC-BEDC-7866C5343A4D}"/>
+              </a:ext>
+            </a:extLst>
+          </p:cNvPr>
+          <p:cNvPicPr/>
+          <p:nvPr/>
+        </p:nvPicPr>
+        <p:blipFill>
+          <a:blip r:embed="rId7" cstate="print">
+            <a:extLst>
+              <a:ext uri="{28A0092B-C50C-407E-A947-70E740481C1C}">
+                <a14:useLocalDpi xmlns:a14="http://schemas.microsoft.com/office/drawing/2010/main" val="0"/>
+              </a:ext>
+            </a:extLst>
+          </a:blip>
+          <a:srcRect/>
+          <a:stretch>
+            <a:fillRect/>
+          </a:stretch>
+        </p:blipFill>
+        <p:spPr bwMode="auto">
+          <a:xfrm>
+            <a:off x="8021696" y="5139688"/>
+            <a:ext cx="1446417" cy="1157184"/>
+          </a:xfrm>
+          <a:prstGeom prst="rect">
+            <a:avLst/>
+          </a:prstGeom>
+          <a:noFill/>
+          <a:ln>
+            <a:noFill/>
+          </a:ln>
+        </p:spPr>
+      </p:pic>
+      <p:sp>
+        <p:nvSpPr>
+          <p:cNvPr id="52" name="Flèche : droite 51">
+            <a:extLst>
+              <a:ext uri="{FF2B5EF4-FFF2-40B4-BE49-F238E27FC236}">
+                <a16:creationId xmlns:a16="http://schemas.microsoft.com/office/drawing/2014/main" id="{507FDBEE-4846-450E-B504-19F1185879DC}"/>
+              </a:ext>
+            </a:extLst>
+          </p:cNvPr>
+          <p:cNvSpPr/>
+          <p:nvPr/>
+        </p:nvSpPr>
+        <p:spPr>
+          <a:xfrm>
+            <a:off x="9508780" y="5276035"/>
+            <a:ext cx="1236957" cy="609938"/>
+          </a:xfrm>
+          <a:prstGeom prst="rightArrow">
+            <a:avLst/>
+          </a:prstGeom>
+          <a:ln/>
+        </p:spPr>
+        <p:style>
+          <a:lnRef idx="1">
+            <a:schemeClr val="accent6"/>
+          </a:lnRef>
+          <a:fillRef idx="2">
+            <a:schemeClr val="accent6"/>
+          </a:fillRef>
+          <a:effectRef idx="1">
+            <a:schemeClr val="accent6"/>
+          </a:effectRef>
+          <a:fontRef idx="minor">
+            <a:schemeClr val="dk1"/>
+          </a:fontRef>
+        </p:style>
+        <p:txBody>
+          <a:bodyPr rtlCol="0" anchor="ctr"/>
+          <a:lstStyle/>
+          <a:p>
+            <a:pPr algn="ctr"/>
+            <a:r>
+              <a:rPr lang="fr-FR" sz="1100" b="1" dirty="0">
+                <a:solidFill>
+                  <a:schemeClr val="tx1"/>
+                </a:solidFill>
+              </a:rPr>
+              <a:t>Choix C  et P (Nm et W)</a:t>
+            </a:r>
+          </a:p>
+        </p:txBody>
+      </p:sp>
+      <p:sp>
+        <p:nvSpPr>
+          <p:cNvPr id="53" name="Rectangle 52">
+            <a:extLst>
+              <a:ext uri="{FF2B5EF4-FFF2-40B4-BE49-F238E27FC236}">
+                <a16:creationId xmlns:a16="http://schemas.microsoft.com/office/drawing/2014/main" id="{14A643FA-BDEA-439F-8330-2548C131BD51}"/>
+              </a:ext>
+            </a:extLst>
+          </p:cNvPr>
+          <p:cNvSpPr/>
+          <p:nvPr/>
+        </p:nvSpPr>
+        <p:spPr>
+          <a:xfrm>
+            <a:off x="10681648" y="5212182"/>
+            <a:ext cx="1236957" cy="737643"/>
+          </a:xfrm>
+          <a:prstGeom prst="rect">
+            <a:avLst/>
+          </a:prstGeom>
+          <a:noFill/>
+          <a:ln>
+            <a:noFill/>
+          </a:ln>
+        </p:spPr>
+        <p:style>
+          <a:lnRef idx="2">
+            <a:schemeClr val="accent1">
+              <a:shade val="50000"/>
+            </a:schemeClr>
+          </a:lnRef>
+          <a:fillRef idx="1">
+            <a:schemeClr val="accent1"/>
+          </a:fillRef>
+          <a:effectRef idx="0">
+            <a:schemeClr val="accent1"/>
+          </a:effectRef>
+          <a:fontRef idx="minor">
+            <a:schemeClr val="lt1"/>
+          </a:fontRef>
+        </p:style>
+        <p:txBody>
+          <a:bodyPr rtlCol="0" anchor="ctr"/>
+          <a:lstStyle/>
+          <a:p>
+            <a:pPr algn="ctr"/>
+            <a:r>
+              <a:rPr lang="fr-FR" sz="1400" b="1" dirty="0">
+                <a:solidFill>
+                  <a:srgbClr val="FF0000"/>
+                </a:solidFill>
+              </a:rPr>
+              <a:t>Couple ~5Nm</a:t>
+            </a:r>
+          </a:p>
+          <a:p>
+            <a:pPr algn="ctr"/>
+            <a:r>
+              <a:rPr lang="fr-FR" sz="1400" b="1" dirty="0">
+                <a:solidFill>
+                  <a:srgbClr val="FF0000"/>
+                </a:solidFill>
+              </a:rPr>
+              <a:t>P ~10 W</a:t>
+            </a:r>
+          </a:p>
+        </p:txBody>
+      </p:sp>
+      <p:sp>
+        <p:nvSpPr>
+          <p:cNvPr id="56" name="Flèche : virage 55">
+            <a:extLst>
+              <a:ext uri="{FF2B5EF4-FFF2-40B4-BE49-F238E27FC236}">
+                <a16:creationId xmlns:a16="http://schemas.microsoft.com/office/drawing/2014/main" id="{42D0F980-6594-4A50-9DB1-7202C3F67857}"/>
+              </a:ext>
+            </a:extLst>
+          </p:cNvPr>
+          <p:cNvSpPr/>
+          <p:nvPr/>
+        </p:nvSpPr>
+        <p:spPr>
+          <a:xfrm flipV="1">
+            <a:off x="10016537" y="6197579"/>
+            <a:ext cx="729200" cy="365125"/>
+          </a:xfrm>
+          <a:prstGeom prst="bentArrow">
+            <a:avLst/>
+          </a:prstGeom>
+        </p:spPr>
+        <p:style>
+          <a:lnRef idx="1">
+            <a:schemeClr val="accent2"/>
+          </a:lnRef>
+          <a:fillRef idx="2">
+            <a:schemeClr val="accent2"/>
+          </a:fillRef>
+          <a:effectRef idx="1">
+            <a:schemeClr val="accent2"/>
+          </a:effectRef>
+          <a:fontRef idx="minor">
+            <a:schemeClr val="dk1"/>
+          </a:fontRef>
+        </p:style>
+        <p:txBody>
+          <a:bodyPr rtlCol="0" anchor="ctr"/>
+          <a:lstStyle/>
+          <a:p>
+            <a:pPr algn="ctr"/>
+            <a:endParaRPr lang="fr-FR">
+              <a:solidFill>
+                <a:schemeClr val="tx1"/>
+              </a:solidFill>
+            </a:endParaRPr>
+          </a:p>
+        </p:txBody>
+      </p:sp>
+      <p:sp>
+        <p:nvSpPr>
+          <p:cNvPr id="57" name="Rectangle 56">
+            <a:extLst>
+              <a:ext uri="{FF2B5EF4-FFF2-40B4-BE49-F238E27FC236}">
+                <a16:creationId xmlns:a16="http://schemas.microsoft.com/office/drawing/2014/main" id="{BE8FA2A6-F07C-4800-9D66-48E2FA40612F}"/>
+              </a:ext>
+            </a:extLst>
+          </p:cNvPr>
+          <p:cNvSpPr/>
+          <p:nvPr/>
+        </p:nvSpPr>
+        <p:spPr>
+          <a:xfrm>
+            <a:off x="10670919" y="6084814"/>
+            <a:ext cx="1236957" cy="737643"/>
+          </a:xfrm>
+          <a:prstGeom prst="rect">
+            <a:avLst/>
+          </a:prstGeom>
+          <a:noFill/>
+          <a:ln>
+            <a:noFill/>
+          </a:ln>
+        </p:spPr>
+        <p:style>
+          <a:lnRef idx="2">
+            <a:schemeClr val="accent1">
+              <a:shade val="50000"/>
+            </a:schemeClr>
+          </a:lnRef>
+          <a:fillRef idx="1">
+            <a:schemeClr val="accent1"/>
+          </a:fillRef>
+          <a:effectRef idx="0">
+            <a:schemeClr val="accent1"/>
+          </a:effectRef>
+          <a:fontRef idx="minor">
+            <a:schemeClr val="lt1"/>
+          </a:fontRef>
+        </p:style>
+        <p:txBody>
+          <a:bodyPr rtlCol="0" anchor="ctr"/>
+          <a:lstStyle/>
+          <a:p>
+            <a:pPr algn="ctr"/>
+            <a:r>
+              <a:rPr lang="fr-FR" sz="1400" b="1" dirty="0">
+                <a:solidFill>
+                  <a:schemeClr val="tx1"/>
+                </a:solidFill>
+              </a:rPr>
+              <a:t>Frottements et ressort à intégrer</a:t>
             </a:r>
           </a:p>
         </p:txBody>
@@ -3593,7 +4966,7 @@
     </p:spTree>
     <p:extLst>
       <p:ext uri="{BB962C8B-B14F-4D97-AF65-F5344CB8AC3E}">
-        <p14:creationId xmlns:p14="http://schemas.microsoft.com/office/powerpoint/2010/main" val="3125217856"/>
+        <p14:creationId xmlns:p14="http://schemas.microsoft.com/office/powerpoint/2010/main" val="1949166889"/>
       </p:ext>
     </p:extLst>
   </p:cSld>
@@ -3630,12 +5003,7 @@
             <p:ph type="ftr" sz="quarter" idx="11"/>
           </p:nvPr>
         </p:nvSpPr>
-        <p:spPr>
-          <a:xfrm>
-            <a:off x="4038600" y="6647894"/>
-            <a:ext cx="4114800" cy="365125"/>
-          </a:xfrm>
-        </p:spPr>
+        <p:spPr/>
         <p:txBody>
           <a:bodyPr/>
           <a:lstStyle/>
@@ -3657,12 +5025,7 @@
             <p:ph type="sldNum" sz="quarter" idx="12"/>
           </p:nvPr>
         </p:nvSpPr>
-        <p:spPr>
-          <a:xfrm>
-            <a:off x="8610600" y="6647894"/>
-            <a:ext cx="2743200" cy="365125"/>
-          </a:xfrm>
-        </p:spPr>
+        <p:spPr/>
         <p:txBody>
           <a:bodyPr/>
           <a:lstStyle/>
@@ -3677,21 +5040,29 @@
       </p:sp>
       <p:sp>
         <p:nvSpPr>
-          <p:cNvPr id="21" name="Rectangle 20"/>
+          <p:cNvPr id="6" name="Rectangle 5"/>
           <p:cNvSpPr/>
           <p:nvPr/>
         </p:nvSpPr>
         <p:spPr>
-          <a:xfrm rot="16200000">
-            <a:off x="-535486" y="1988438"/>
-            <a:ext cx="1800000" cy="428305"/>
+          <a:xfrm>
+            <a:off x="4851684" y="2307886"/>
+            <a:ext cx="2513040" cy="3456386"/>
           </a:xfrm>
           <a:prstGeom prst="rect">
             <a:avLst/>
           </a:prstGeom>
-          <a:noFill/>
+          <a:solidFill>
+            <a:schemeClr val="accent2">
+              <a:lumMod val="75000"/>
+            </a:schemeClr>
+          </a:solidFill>
           <a:ln>
-            <a:noFill/>
+            <a:solidFill>
+              <a:schemeClr val="accent2">
+                <a:lumMod val="75000"/>
+              </a:schemeClr>
+            </a:solidFill>
           </a:ln>
         </p:spPr>
         <p:style>
@@ -3715,34 +5086,35 @@
           <a:lstStyle/>
           <a:p>
             <a:pPr algn="ctr"/>
-            <a:r>
-              <a:rPr lang="fr-FR" sz="1400" b="1" dirty="0">
-                <a:solidFill>
-                  <a:schemeClr val="tx1"/>
-                </a:solidFill>
-              </a:rPr>
-              <a:t>Système souhaité</a:t>
-            </a:r>
-          </a:p>
-        </p:txBody>
-      </p:sp>
-      <p:sp>
-        <p:nvSpPr>
-          <p:cNvPr id="22" name="Rectangle 21"/>
+            <a:endParaRPr lang="fr-FR"/>
+          </a:p>
+        </p:txBody>
+      </p:sp>
+      <p:sp>
+        <p:nvSpPr>
+          <p:cNvPr id="8" name="Rectangle 7"/>
           <p:cNvSpPr/>
           <p:nvPr/>
         </p:nvSpPr>
         <p:spPr>
-          <a:xfrm rot="16200000">
-            <a:off x="-529212" y="3755560"/>
-            <a:ext cx="1800000" cy="428305"/>
+          <a:xfrm>
+            <a:off x="1775520" y="2307886"/>
+            <a:ext cx="2520000" cy="3456386"/>
           </a:xfrm>
           <a:prstGeom prst="rect">
             <a:avLst/>
           </a:prstGeom>
-          <a:noFill/>
+          <a:solidFill>
+            <a:schemeClr val="accent5">
+              <a:lumMod val="50000"/>
+            </a:schemeClr>
+          </a:solidFill>
           <a:ln>
-            <a:noFill/>
+            <a:solidFill>
+              <a:schemeClr val="accent5">
+                <a:lumMod val="50000"/>
+              </a:schemeClr>
+            </a:solidFill>
           </a:ln>
         </p:spPr>
         <p:style>
@@ -3766,34 +5138,35 @@
           <a:lstStyle/>
           <a:p>
             <a:pPr algn="ctr"/>
-            <a:r>
-              <a:rPr lang="fr-FR" sz="1400" b="1" dirty="0">
-                <a:solidFill>
-                  <a:schemeClr val="tx1"/>
-                </a:solidFill>
-              </a:rPr>
-              <a:t>Système réel</a:t>
-            </a:r>
-          </a:p>
-        </p:txBody>
-      </p:sp>
-      <p:sp>
-        <p:nvSpPr>
-          <p:cNvPr id="23" name="Rectangle 22"/>
+            <a:endParaRPr lang="fr-FR"/>
+          </a:p>
+        </p:txBody>
+      </p:sp>
+      <p:sp>
+        <p:nvSpPr>
+          <p:cNvPr id="11" name="Rectangle 10"/>
           <p:cNvSpPr/>
           <p:nvPr/>
         </p:nvSpPr>
         <p:spPr>
-          <a:xfrm rot="16200000">
-            <a:off x="-529212" y="5522683"/>
-            <a:ext cx="1800000" cy="428305"/>
+          <a:xfrm>
+            <a:off x="7927848" y="2307886"/>
+            <a:ext cx="2513040" cy="3456387"/>
           </a:xfrm>
           <a:prstGeom prst="rect">
             <a:avLst/>
           </a:prstGeom>
-          <a:noFill/>
+          <a:solidFill>
+            <a:schemeClr val="bg1">
+              <a:lumMod val="50000"/>
+            </a:schemeClr>
+          </a:solidFill>
           <a:ln>
-            <a:noFill/>
+            <a:solidFill>
+              <a:schemeClr val="bg1">
+                <a:lumMod val="50000"/>
+              </a:schemeClr>
+            </a:solidFill>
           </a:ln>
         </p:spPr>
         <p:style>
@@ -3817,35 +5190,27 @@
           <a:lstStyle/>
           <a:p>
             <a:pPr algn="ctr"/>
-            <a:r>
-              <a:rPr lang="fr-FR" sz="1400" b="1" dirty="0">
-                <a:solidFill>
-                  <a:schemeClr val="tx1"/>
-                </a:solidFill>
-              </a:rPr>
-              <a:t>Système simulé</a:t>
-            </a:r>
-          </a:p>
-        </p:txBody>
-      </p:sp>
-      <p:sp>
-        <p:nvSpPr>
-          <p:cNvPr id="33" name="Flèche : droite 32"/>
+            <a:endParaRPr lang="fr-FR"/>
+          </a:p>
+        </p:txBody>
+      </p:sp>
+      <p:sp>
+        <p:nvSpPr>
+          <p:cNvPr id="12" name="Rectangle 11"/>
           <p:cNvSpPr/>
           <p:nvPr/>
         </p:nvSpPr>
         <p:spPr>
           <a:xfrm>
-            <a:off x="3591934" y="1897620"/>
-            <a:ext cx="3152138" cy="609938"/>
-          </a:xfrm>
-          <a:prstGeom prst="rightArrow">
+            <a:off x="1775520" y="1052737"/>
+            <a:ext cx="2520000" cy="529350"/>
+          </a:xfrm>
+          <a:prstGeom prst="rect">
             <a:avLst/>
           </a:prstGeom>
           <a:solidFill>
             <a:schemeClr val="accent5">
-              <a:lumMod val="20000"/>
-              <a:lumOff val="80000"/>
+              <a:lumMod val="50000"/>
             </a:schemeClr>
           </a:solidFill>
           <a:ln>
@@ -3878,40 +5243,35 @@
           <a:p>
             <a:pPr algn="ctr"/>
             <a:r>
-              <a:rPr lang="fr-FR" b="1" dirty="0">
-                <a:solidFill>
-                  <a:schemeClr val="tx1"/>
-                </a:solidFill>
-              </a:rPr>
-              <a:t>Domaine du client</a:t>
-            </a:r>
-          </a:p>
-        </p:txBody>
-      </p:sp>
-      <p:sp>
-        <p:nvSpPr>
-          <p:cNvPr id="39" name="Flèche : droite 38"/>
+              <a:rPr lang="fr-FR" sz="1600" b="1" dirty="0"/>
+              <a:t>Performances attendues</a:t>
+            </a:r>
+          </a:p>
+        </p:txBody>
+      </p:sp>
+      <p:sp>
+        <p:nvSpPr>
+          <p:cNvPr id="17" name="Rectangle 16"/>
           <p:cNvSpPr/>
           <p:nvPr/>
         </p:nvSpPr>
         <p:spPr>
           <a:xfrm>
-            <a:off x="3591934" y="3664742"/>
-            <a:ext cx="3152138" cy="609938"/>
-          </a:xfrm>
-          <a:prstGeom prst="rightArrow">
+            <a:off x="4851684" y="1052738"/>
+            <a:ext cx="2513040" cy="529350"/>
+          </a:xfrm>
+          <a:prstGeom prst="rect">
             <a:avLst/>
           </a:prstGeom>
           <a:solidFill>
-            <a:schemeClr val="accent5">
-              <a:lumMod val="20000"/>
-              <a:lumOff val="80000"/>
+            <a:schemeClr val="accent2">
+              <a:lumMod val="75000"/>
             </a:schemeClr>
           </a:solidFill>
           <a:ln>
             <a:solidFill>
-              <a:schemeClr val="accent5">
-                <a:lumMod val="50000"/>
+              <a:schemeClr val="accent2">
+                <a:lumMod val="75000"/>
               </a:schemeClr>
             </a:solidFill>
           </a:ln>
@@ -3938,40 +5298,36 @@
           <a:p>
             <a:pPr algn="ctr"/>
             <a:r>
-              <a:rPr lang="fr-FR" b="1" dirty="0">
-                <a:solidFill>
-                  <a:schemeClr val="tx1"/>
-                </a:solidFill>
-              </a:rPr>
-              <a:t>Domaine du laboratoire</a:t>
-            </a:r>
-          </a:p>
-        </p:txBody>
-      </p:sp>
-      <p:sp>
-        <p:nvSpPr>
-          <p:cNvPr id="40" name="Flèche : droite 39"/>
+              <a:rPr lang="fr-FR" sz="1600" b="1" dirty="0"/>
+              <a:t>Performances simulées et mesurées</a:t>
+            </a:r>
+          </a:p>
+        </p:txBody>
+      </p:sp>
+      <p:sp>
+        <p:nvSpPr>
+          <p:cNvPr id="19" name="Rectangle 18"/>
           <p:cNvSpPr/>
           <p:nvPr/>
         </p:nvSpPr>
         <p:spPr>
           <a:xfrm>
-            <a:off x="3591934" y="5431864"/>
-            <a:ext cx="3152138" cy="609938"/>
-          </a:xfrm>
-          <a:prstGeom prst="rightArrow">
+            <a:off x="4982760" y="2377035"/>
+            <a:ext cx="2265368" cy="1224136"/>
+          </a:xfrm>
+          <a:prstGeom prst="rect">
             <a:avLst/>
           </a:prstGeom>
           <a:solidFill>
-            <a:schemeClr val="accent5">
+            <a:schemeClr val="accent2">
               <a:lumMod val="20000"/>
               <a:lumOff val="80000"/>
             </a:schemeClr>
           </a:solidFill>
           <a:ln>
             <a:solidFill>
-              <a:schemeClr val="accent5">
-                <a:lumMod val="50000"/>
+              <a:schemeClr val="accent2">
+                <a:lumMod val="75000"/>
               </a:schemeClr>
             </a:solidFill>
           </a:ln>
@@ -3993,38 +5349,43 @@
           </a:fontRef>
         </p:style>
         <p:txBody>
-          <a:bodyPr rtlCol="0" anchor="ctr"/>
-          <a:lstStyle/>
-          <a:p>
-            <a:pPr algn="ctr"/>
-            <a:r>
-              <a:rPr lang="fr-FR" b="1" dirty="0">
-                <a:solidFill>
-                  <a:schemeClr val="tx1"/>
-                </a:solidFill>
-              </a:rPr>
-              <a:t>Domaine de la simulation</a:t>
-            </a:r>
-          </a:p>
-        </p:txBody>
-      </p:sp>
-      <p:sp>
-        <p:nvSpPr>
-          <p:cNvPr id="44" name="Rectangle 43"/>
+          <a:bodyPr rtlCol="0" anchor="t"/>
+          <a:lstStyle/>
+          <a:p>
+            <a:endParaRPr lang="fr-FR" sz="1200" dirty="0">
+              <a:solidFill>
+                <a:schemeClr val="tx1"/>
+              </a:solidFill>
+            </a:endParaRPr>
+          </a:p>
+        </p:txBody>
+      </p:sp>
+      <p:sp>
+        <p:nvSpPr>
+          <p:cNvPr id="24" name="Rectangle 23"/>
           <p:cNvSpPr/>
           <p:nvPr/>
         </p:nvSpPr>
         <p:spPr>
           <a:xfrm>
-            <a:off x="6528047" y="1722219"/>
-            <a:ext cx="2072019" cy="694523"/>
+            <a:off x="4982760" y="3695121"/>
+            <a:ext cx="2265368" cy="1224136"/>
           </a:xfrm>
           <a:prstGeom prst="rect">
             <a:avLst/>
           </a:prstGeom>
-          <a:noFill/>
+          <a:solidFill>
+            <a:schemeClr val="accent2">
+              <a:lumMod val="20000"/>
+              <a:lumOff val="80000"/>
+            </a:schemeClr>
+          </a:solidFill>
           <a:ln>
-            <a:noFill/>
+            <a:solidFill>
+              <a:schemeClr val="accent2">
+                <a:lumMod val="75000"/>
+              </a:schemeClr>
+            </a:solidFill>
           </a:ln>
         </p:spPr>
         <p:style>
@@ -4044,53 +5405,27 @@
           </a:fontRef>
         </p:style>
         <p:txBody>
-          <a:bodyPr rtlCol="0" anchor="ctr"/>
-          <a:lstStyle/>
-          <a:p>
-            <a:pPr algn="ctr"/>
-            <a:r>
-              <a:rPr lang="fr-FR" sz="1400" b="1" dirty="0">
-                <a:solidFill>
-                  <a:schemeClr val="tx1"/>
-                </a:solidFill>
-              </a:rPr>
-              <a:t>Perf. souhaitées : </a:t>
-            </a:r>
-          </a:p>
-          <a:p>
-            <a:pPr algn="ctr"/>
-            <a:r>
-              <a:rPr lang="fr-FR" sz="1400" b="1" dirty="0">
-                <a:solidFill>
-                  <a:schemeClr val="tx1"/>
-                </a:solidFill>
-              </a:rPr>
-              <a:t>Temps ouverture &lt;1s</a:t>
-            </a:r>
-          </a:p>
-          <a:p>
-            <a:pPr algn="ctr"/>
-            <a:r>
-              <a:rPr lang="fr-FR" sz="1400" b="1" dirty="0">
-                <a:solidFill>
-                  <a:schemeClr val="tx1"/>
-                </a:solidFill>
-              </a:rPr>
-              <a:t>Temps fermeture &lt;2s</a:t>
-            </a:r>
-          </a:p>
-        </p:txBody>
-      </p:sp>
-      <p:sp>
-        <p:nvSpPr>
-          <p:cNvPr id="45" name="Rectangle 44"/>
+          <a:bodyPr rtlCol="0" anchor="t"/>
+          <a:lstStyle/>
+          <a:p>
+            <a:endParaRPr lang="fr-FR" sz="1200" dirty="0">
+              <a:solidFill>
+                <a:schemeClr val="tx1"/>
+              </a:solidFill>
+            </a:endParaRPr>
+          </a:p>
+        </p:txBody>
+      </p:sp>
+      <p:sp>
+        <p:nvSpPr>
+          <p:cNvPr id="26" name="Rectangle 25"/>
           <p:cNvSpPr/>
           <p:nvPr/>
         </p:nvSpPr>
         <p:spPr>
-          <a:xfrm>
-            <a:off x="6528048" y="3755560"/>
-            <a:ext cx="2072018" cy="428305"/>
+          <a:xfrm rot="16200000">
+            <a:off x="4584844" y="2774951"/>
+            <a:ext cx="1224136" cy="428305"/>
           </a:xfrm>
           <a:prstGeom prst="rect">
             <a:avLst/>
@@ -4122,48 +5457,26 @@
           <a:p>
             <a:pPr algn="ctr"/>
             <a:r>
-              <a:rPr lang="fr-FR" sz="1400" b="1" dirty="0">
+              <a:rPr lang="fr-FR" sz="1100" b="1" dirty="0">
                 <a:solidFill>
                   <a:schemeClr val="tx1"/>
                 </a:solidFill>
               </a:rPr>
-              <a:t>Perf mesurées </a:t>
-            </a:r>
-          </a:p>
-          <a:p>
-            <a:pPr algn="ctr"/>
-            <a:r>
-              <a:rPr lang="fr-FR" sz="1400" b="1" dirty="0">
-                <a:solidFill>
-                  <a:schemeClr val="tx1"/>
-                </a:solidFill>
-              </a:rPr>
-              <a:t>Temps ouverture 2,6 s</a:t>
-            </a:r>
-          </a:p>
-          <a:p>
-            <a:pPr algn="ctr"/>
-            <a:r>
-              <a:rPr lang="fr-FR" sz="1400" b="1" dirty="0">
-                <a:solidFill>
-                  <a:schemeClr val="tx1"/>
-                </a:solidFill>
-              </a:rPr>
-              <a:t>Temps fermeture 2,9s</a:t>
-            </a:r>
-          </a:p>
-        </p:txBody>
-      </p:sp>
-      <p:sp>
-        <p:nvSpPr>
-          <p:cNvPr id="46" name="Rectangle 45"/>
+              <a:t>Expérimentation</a:t>
+            </a:r>
+          </a:p>
+        </p:txBody>
+      </p:sp>
+      <p:sp>
+        <p:nvSpPr>
+          <p:cNvPr id="27" name="Rectangle 26"/>
           <p:cNvSpPr/>
           <p:nvPr/>
         </p:nvSpPr>
         <p:spPr>
-          <a:xfrm>
-            <a:off x="6528048" y="5522683"/>
-            <a:ext cx="1800000" cy="428305"/>
+          <a:xfrm rot="16200000">
+            <a:off x="4531037" y="4100464"/>
+            <a:ext cx="1224136" cy="428305"/>
           </a:xfrm>
           <a:prstGeom prst="rect">
             <a:avLst/>
@@ -4200,20 +5513,464 @@
                   <a:schemeClr val="tx1"/>
                 </a:solidFill>
               </a:rPr>
-              <a:t>Performances simulées</a:t>
-            </a:r>
-          </a:p>
-        </p:txBody>
-      </p:sp>
-      <p:sp>
-        <p:nvSpPr>
-          <p:cNvPr id="12" name="Flèche : double flèche verticale 11"/>
+              <a:t>Simulation</a:t>
+            </a:r>
+          </a:p>
+        </p:txBody>
+      </p:sp>
+      <p:sp>
+        <p:nvSpPr>
+          <p:cNvPr id="29" name="Rectangle 28"/>
           <p:cNvSpPr/>
           <p:nvPr/>
         </p:nvSpPr>
         <p:spPr>
           <a:xfrm>
-            <a:off x="7178148" y="2507558"/>
+            <a:off x="7927849" y="1052738"/>
+            <a:ext cx="2513039" cy="529350"/>
+          </a:xfrm>
+          <a:prstGeom prst="rect">
+            <a:avLst/>
+          </a:prstGeom>
+          <a:solidFill>
+            <a:schemeClr val="bg1">
+              <a:lumMod val="50000"/>
+            </a:schemeClr>
+          </a:solidFill>
+          <a:ln>
+            <a:solidFill>
+              <a:schemeClr val="bg1">
+                <a:lumMod val="50000"/>
+              </a:schemeClr>
+            </a:solidFill>
+          </a:ln>
+        </p:spPr>
+        <p:style>
+          <a:lnRef idx="2">
+            <a:schemeClr val="accent1">
+              <a:shade val="50000"/>
+            </a:schemeClr>
+          </a:lnRef>
+          <a:fillRef idx="1">
+            <a:schemeClr val="accent1"/>
+          </a:fillRef>
+          <a:effectRef idx="0">
+            <a:schemeClr val="accent1"/>
+          </a:effectRef>
+          <a:fontRef idx="minor">
+            <a:schemeClr val="lt1"/>
+          </a:fontRef>
+        </p:style>
+        <p:txBody>
+          <a:bodyPr rtlCol="0" anchor="ctr"/>
+          <a:lstStyle/>
+          <a:p>
+            <a:pPr algn="ctr"/>
+            <a:r>
+              <a:rPr lang="fr-FR" dirty="0"/>
+              <a:t>Démarche et conclusion</a:t>
+            </a:r>
+          </a:p>
+        </p:txBody>
+      </p:sp>
+      <p:sp>
+        <p:nvSpPr>
+          <p:cNvPr id="31" name="Flèche : droite 30"/>
+          <p:cNvSpPr/>
+          <p:nvPr/>
+        </p:nvSpPr>
+        <p:spPr>
+          <a:xfrm>
+            <a:off x="1775520" y="1649529"/>
+            <a:ext cx="8640960" cy="609938"/>
+          </a:xfrm>
+          <a:prstGeom prst="rightArrow">
+            <a:avLst/>
+          </a:prstGeom>
+          <a:noFill/>
+          <a:ln>
+            <a:solidFill>
+              <a:srgbClr val="7030A0"/>
+            </a:solidFill>
+          </a:ln>
+        </p:spPr>
+        <p:style>
+          <a:lnRef idx="2">
+            <a:schemeClr val="accent1">
+              <a:shade val="50000"/>
+            </a:schemeClr>
+          </a:lnRef>
+          <a:fillRef idx="1">
+            <a:schemeClr val="accent1"/>
+          </a:fillRef>
+          <a:effectRef idx="0">
+            <a:schemeClr val="accent1"/>
+          </a:effectRef>
+          <a:fontRef idx="minor">
+            <a:schemeClr val="lt1"/>
+          </a:fontRef>
+        </p:style>
+        <p:txBody>
+          <a:bodyPr rtlCol="0" anchor="ctr"/>
+          <a:lstStyle/>
+          <a:p>
+            <a:pPr algn="ctr"/>
+            <a:r>
+              <a:rPr lang="fr-FR" b="1" dirty="0">
+                <a:solidFill>
+                  <a:schemeClr val="tx1"/>
+                </a:solidFill>
+              </a:rPr>
+              <a:t>Problématique : le moteur utilisé est-il adapté au cahier des charges ?</a:t>
+            </a:r>
+          </a:p>
+        </p:txBody>
+      </p:sp>
+      <p:pic>
+        <p:nvPicPr>
+          <p:cNvPr id="32" name="Image 31" descr="C:\Users\Xavier\Desktop\Perso\Concours\CCP_PSI\2015_Sujets\182_XP_Sympact\SysML\Exigences.png">
+            <a:extLst>
+              <a:ext uri="{FF2B5EF4-FFF2-40B4-BE49-F238E27FC236}">
+                <a16:creationId xmlns:a16="http://schemas.microsoft.com/office/drawing/2014/main" id="{4C32C691-776D-4F37-80B4-9BA4C2C6ABE0}"/>
+              </a:ext>
+            </a:extLst>
+          </p:cNvPr>
+          <p:cNvPicPr/>
+          <p:nvPr/>
+        </p:nvPicPr>
+        <p:blipFill rotWithShape="1">
+          <a:blip r:embed="rId2" cstate="print">
+            <a:extLst>
+              <a:ext uri="{28A0092B-C50C-407E-A947-70E740481C1C}">
+                <a14:useLocalDpi xmlns:a14="http://schemas.microsoft.com/office/drawing/2010/main" val="0"/>
+              </a:ext>
+            </a:extLst>
+          </a:blip>
+          <a:srcRect l="69412" t="85700" r="1716" b="1717"/>
+          <a:stretch/>
+        </p:blipFill>
+        <p:spPr bwMode="auto">
+          <a:xfrm>
+            <a:off x="2357683" y="2619677"/>
+            <a:ext cx="1342833" cy="609809"/>
+          </a:xfrm>
+          <a:prstGeom prst="rect">
+            <a:avLst/>
+          </a:prstGeom>
+          <a:noFill/>
+          <a:ln>
+            <a:noFill/>
+          </a:ln>
+        </p:spPr>
+      </p:pic>
+      <p:pic>
+        <p:nvPicPr>
+          <p:cNvPr id="33" name="Image 32" descr="C:\Users\Xavier\Desktop\Perso\Concours\CCP_PSI\2015_Sujets\182_XP_Sympact\SysML\Exigences.png">
+            <a:extLst>
+              <a:ext uri="{FF2B5EF4-FFF2-40B4-BE49-F238E27FC236}">
+                <a16:creationId xmlns:a16="http://schemas.microsoft.com/office/drawing/2014/main" id="{867BC8BC-7374-4B99-96B9-3734CCD1BB49}"/>
+              </a:ext>
+            </a:extLst>
+          </p:cNvPr>
+          <p:cNvPicPr/>
+          <p:nvPr/>
+        </p:nvPicPr>
+        <p:blipFill rotWithShape="1">
+          <a:blip r:embed="rId2" cstate="print">
+            <a:extLst>
+              <a:ext uri="{28A0092B-C50C-407E-A947-70E740481C1C}">
+                <a14:useLocalDpi xmlns:a14="http://schemas.microsoft.com/office/drawing/2010/main" val="0"/>
+              </a:ext>
+            </a:extLst>
+          </a:blip>
+          <a:srcRect l="74102" t="19530" r="1249" b="66447"/>
+          <a:stretch/>
+        </p:blipFill>
+        <p:spPr bwMode="auto">
+          <a:xfrm>
+            <a:off x="2449700" y="3566813"/>
+            <a:ext cx="1171640" cy="694524"/>
+          </a:xfrm>
+          <a:prstGeom prst="rect">
+            <a:avLst/>
+          </a:prstGeom>
+          <a:noFill/>
+          <a:ln>
+            <a:noFill/>
+          </a:ln>
+        </p:spPr>
+      </p:pic>
+      <p:pic>
+        <p:nvPicPr>
+          <p:cNvPr id="34" name="Image 33">
+            <a:extLst>
+              <a:ext uri="{FF2B5EF4-FFF2-40B4-BE49-F238E27FC236}">
+                <a16:creationId xmlns:a16="http://schemas.microsoft.com/office/drawing/2014/main" id="{FC23F224-204A-453E-A80F-2E7FA707B587}"/>
+              </a:ext>
+            </a:extLst>
+          </p:cNvPr>
+          <p:cNvPicPr/>
+          <p:nvPr/>
+        </p:nvPicPr>
+        <p:blipFill>
+          <a:blip r:embed="rId3" cstate="print">
+            <a:extLst>
+              <a:ext uri="{28A0092B-C50C-407E-A947-70E740481C1C}">
+                <a14:useLocalDpi xmlns:a14="http://schemas.microsoft.com/office/drawing/2010/main" val="0"/>
+              </a:ext>
+            </a:extLst>
+          </a:blip>
+          <a:srcRect/>
+          <a:stretch>
+            <a:fillRect/>
+          </a:stretch>
+        </p:blipFill>
+        <p:spPr bwMode="auto">
+          <a:xfrm>
+            <a:off x="5649317" y="2636225"/>
+            <a:ext cx="1182470" cy="710784"/>
+          </a:xfrm>
+          <a:prstGeom prst="rect">
+            <a:avLst/>
+          </a:prstGeom>
+          <a:noFill/>
+        </p:spPr>
+      </p:pic>
+      <p:pic>
+        <p:nvPicPr>
+          <p:cNvPr id="35" name="Image 34" descr="D:\PuissanceMoteur_Dyn.png">
+            <a:extLst>
+              <a:ext uri="{FF2B5EF4-FFF2-40B4-BE49-F238E27FC236}">
+                <a16:creationId xmlns:a16="http://schemas.microsoft.com/office/drawing/2014/main" id="{30EAFD09-5E5E-467E-B4DC-43C6C4B65825}"/>
+              </a:ext>
+            </a:extLst>
+          </p:cNvPr>
+          <p:cNvPicPr/>
+          <p:nvPr/>
+        </p:nvPicPr>
+        <p:blipFill>
+          <a:blip r:embed="rId4" cstate="print">
+            <a:extLst>
+              <a:ext uri="{28A0092B-C50C-407E-A947-70E740481C1C}">
+                <a14:useLocalDpi xmlns:a14="http://schemas.microsoft.com/office/drawing/2010/main" val="0"/>
+              </a:ext>
+            </a:extLst>
+          </a:blip>
+          <a:srcRect/>
+          <a:stretch>
+            <a:fillRect/>
+          </a:stretch>
+        </p:blipFill>
+        <p:spPr bwMode="auto">
+          <a:xfrm>
+            <a:off x="5434526" y="3736024"/>
+            <a:ext cx="1446417" cy="1157184"/>
+          </a:xfrm>
+          <a:prstGeom prst="rect">
+            <a:avLst/>
+          </a:prstGeom>
+          <a:noFill/>
+          <a:ln>
+            <a:noFill/>
+          </a:ln>
+        </p:spPr>
+      </p:pic>
+      <p:sp>
+        <p:nvSpPr>
+          <p:cNvPr id="36" name="Rectangle 35">
+            <a:extLst>
+              <a:ext uri="{FF2B5EF4-FFF2-40B4-BE49-F238E27FC236}">
+                <a16:creationId xmlns:a16="http://schemas.microsoft.com/office/drawing/2014/main" id="{2376C4D1-C150-4DA2-8122-097A8A0E4A46}"/>
+              </a:ext>
+            </a:extLst>
+          </p:cNvPr>
+          <p:cNvSpPr/>
+          <p:nvPr/>
+        </p:nvSpPr>
+        <p:spPr>
+          <a:xfrm>
+            <a:off x="8125850" y="2377036"/>
+            <a:ext cx="2117035" cy="1224136"/>
+          </a:xfrm>
+          <a:prstGeom prst="rect">
+            <a:avLst/>
+          </a:prstGeom>
+          <a:solidFill>
+            <a:schemeClr val="bg1">
+              <a:lumMod val="85000"/>
+            </a:schemeClr>
+          </a:solidFill>
+          <a:ln>
+            <a:solidFill>
+              <a:schemeClr val="bg1">
+                <a:lumMod val="50000"/>
+              </a:schemeClr>
+            </a:solidFill>
+          </a:ln>
+        </p:spPr>
+        <p:style>
+          <a:lnRef idx="2">
+            <a:schemeClr val="accent1">
+              <a:shade val="50000"/>
+            </a:schemeClr>
+          </a:lnRef>
+          <a:fillRef idx="1">
+            <a:schemeClr val="accent1"/>
+          </a:fillRef>
+          <a:effectRef idx="0">
+            <a:schemeClr val="accent1"/>
+          </a:effectRef>
+          <a:fontRef idx="minor">
+            <a:schemeClr val="lt1"/>
+          </a:fontRef>
+        </p:style>
+        <p:txBody>
+          <a:bodyPr rtlCol="0" anchor="ctr"/>
+          <a:lstStyle/>
+          <a:p>
+            <a:pPr algn="ctr"/>
+            <a:r>
+              <a:rPr lang="fr-FR" sz="1200" dirty="0">
+                <a:solidFill>
+                  <a:schemeClr val="tx1"/>
+                </a:solidFill>
+              </a:rPr>
+              <a:t>Méthode </a:t>
+            </a:r>
+            <a:r>
+              <a:rPr lang="fr-FR" sz="1200" b="1" dirty="0">
+                <a:solidFill>
+                  <a:schemeClr val="tx1"/>
+                </a:solidFill>
+              </a:rPr>
+              <a:t>expérimentale</a:t>
+            </a:r>
+            <a:r>
+              <a:rPr lang="fr-FR" sz="1200" dirty="0">
+                <a:solidFill>
+                  <a:schemeClr val="tx1"/>
+                </a:solidFill>
+              </a:rPr>
+              <a:t> (Test de d’influence de la fréquence du variateur) </a:t>
+            </a:r>
+          </a:p>
+          <a:p>
+            <a:pPr algn="ctr"/>
+            <a:r>
+              <a:rPr lang="fr-FR" sz="1200" b="1" dirty="0">
+                <a:solidFill>
+                  <a:schemeClr val="tx1"/>
+                </a:solidFill>
+              </a:rPr>
+              <a:t>Choix de la consigne en vitesse</a:t>
+            </a:r>
+          </a:p>
+        </p:txBody>
+      </p:sp>
+      <p:sp>
+        <p:nvSpPr>
+          <p:cNvPr id="38" name="Rectangle 37">
+            <a:extLst>
+              <a:ext uri="{FF2B5EF4-FFF2-40B4-BE49-F238E27FC236}">
+                <a16:creationId xmlns:a16="http://schemas.microsoft.com/office/drawing/2014/main" id="{AC68BCC6-4727-4F6E-A3DC-EBFD838796A6}"/>
+              </a:ext>
+            </a:extLst>
+          </p:cNvPr>
+          <p:cNvSpPr/>
+          <p:nvPr/>
+        </p:nvSpPr>
+        <p:spPr>
+          <a:xfrm>
+            <a:off x="8125849" y="4058000"/>
+            <a:ext cx="2117035" cy="805548"/>
+          </a:xfrm>
+          <a:prstGeom prst="rect">
+            <a:avLst/>
+          </a:prstGeom>
+          <a:solidFill>
+            <a:schemeClr val="bg1">
+              <a:lumMod val="85000"/>
+            </a:schemeClr>
+          </a:solidFill>
+          <a:ln>
+            <a:solidFill>
+              <a:schemeClr val="bg1">
+                <a:lumMod val="50000"/>
+              </a:schemeClr>
+            </a:solidFill>
+          </a:ln>
+        </p:spPr>
+        <p:style>
+          <a:lnRef idx="2">
+            <a:schemeClr val="accent1">
+              <a:shade val="50000"/>
+            </a:schemeClr>
+          </a:lnRef>
+          <a:fillRef idx="1">
+            <a:schemeClr val="accent1"/>
+          </a:fillRef>
+          <a:effectRef idx="0">
+            <a:schemeClr val="accent1"/>
+          </a:effectRef>
+          <a:fontRef idx="minor">
+            <a:schemeClr val="lt1"/>
+          </a:fontRef>
+        </p:style>
+        <p:txBody>
+          <a:bodyPr rtlCol="0" anchor="t"/>
+          <a:lstStyle/>
+          <a:p>
+            <a:pPr algn="ctr"/>
+            <a:r>
+              <a:rPr lang="fr-FR" sz="1200" dirty="0">
+                <a:solidFill>
+                  <a:schemeClr val="tx1"/>
+                </a:solidFill>
+              </a:rPr>
+              <a:t>Simulation :</a:t>
+            </a:r>
+            <a:r>
+              <a:rPr lang="fr-FR" sz="1200" b="1" dirty="0">
+                <a:solidFill>
+                  <a:schemeClr val="tx1"/>
+                </a:solidFill>
+              </a:rPr>
+              <a:t>résolution du PFD</a:t>
+            </a:r>
+          </a:p>
+          <a:p>
+            <a:pPr algn="ctr"/>
+            <a:r>
+              <a:rPr lang="fr-FR" sz="1200" b="1" dirty="0">
+                <a:solidFill>
+                  <a:schemeClr val="tx1"/>
+                </a:solidFill>
+              </a:rPr>
+              <a:t>Choix du couple moteur et de la puissance du moteur</a:t>
+            </a:r>
+            <a:endParaRPr lang="fr-FR" sz="1200" dirty="0">
+              <a:solidFill>
+                <a:schemeClr val="tx1"/>
+              </a:solidFill>
+            </a:endParaRPr>
+          </a:p>
+        </p:txBody>
+      </p:sp>
+      <p:sp>
+        <p:nvSpPr>
+          <p:cNvPr id="39" name="Flèche : double flèche verticale 38">
+            <a:extLst>
+              <a:ext uri="{FF2B5EF4-FFF2-40B4-BE49-F238E27FC236}">
+                <a16:creationId xmlns:a16="http://schemas.microsoft.com/office/drawing/2014/main" id="{0CF05BB3-ABD4-4C8F-A66D-2FBDF0981266}"/>
+              </a:ext>
+            </a:extLst>
+          </p:cNvPr>
+          <p:cNvSpPr/>
+          <p:nvPr/>
+        </p:nvSpPr>
+        <p:spPr>
+          <a:xfrm rot="5400000">
+            <a:off x="4062279" y="2400994"/>
             <a:ext cx="499800" cy="1157184"/>
           </a:xfrm>
           <a:prstGeom prst="upDownArrow">
@@ -4254,19 +6011,25 @@
           <a:lstStyle/>
           <a:p>
             <a:pPr algn="ctr"/>
-            <a:endParaRPr lang="fr-FR"/>
-          </a:p>
-        </p:txBody>
-      </p:sp>
-      <p:sp>
-        <p:nvSpPr>
-          <p:cNvPr id="47" name="Flèche : double flèche verticale 46"/>
+            <a:endParaRPr lang="fr-FR" dirty="0"/>
+          </a:p>
+        </p:txBody>
+      </p:sp>
+      <p:sp>
+        <p:nvSpPr>
+          <p:cNvPr id="40" name="Flèche : double flèche verticale 39">
+            <a:extLst>
+              <a:ext uri="{FF2B5EF4-FFF2-40B4-BE49-F238E27FC236}">
+                <a16:creationId xmlns:a16="http://schemas.microsoft.com/office/drawing/2014/main" id="{6233C236-5FCF-4025-B3AF-FBD65FDD4358}"/>
+              </a:ext>
+            </a:extLst>
+          </p:cNvPr>
           <p:cNvSpPr/>
           <p:nvPr/>
         </p:nvSpPr>
         <p:spPr>
-          <a:xfrm>
-            <a:off x="7178148" y="4274680"/>
+          <a:xfrm rot="6404525">
+            <a:off x="4052999" y="3634604"/>
             <a:ext cx="499800" cy="1157184"/>
           </a:xfrm>
           <a:prstGeom prst="upDownArrow">
@@ -4313,21 +6076,36 @@
       </p:sp>
       <p:sp>
         <p:nvSpPr>
-          <p:cNvPr id="50" name="Rectangle 49"/>
+          <p:cNvPr id="44" name="Rectangle 43">
+            <a:extLst>
+              <a:ext uri="{FF2B5EF4-FFF2-40B4-BE49-F238E27FC236}">
+                <a16:creationId xmlns:a16="http://schemas.microsoft.com/office/drawing/2014/main" id="{C5DF0616-45F0-4593-A864-E4366D29FF06}"/>
+              </a:ext>
+            </a:extLst>
+          </p:cNvPr>
           <p:cNvSpPr/>
           <p:nvPr/>
         </p:nvSpPr>
         <p:spPr>
           <a:xfrm>
-            <a:off x="7493545" y="2462796"/>
-            <a:ext cx="1236957" cy="1157183"/>
+            <a:off x="5015892" y="4960159"/>
+            <a:ext cx="2265368" cy="747603"/>
           </a:xfrm>
           <a:prstGeom prst="rect">
             <a:avLst/>
           </a:prstGeom>
-          <a:noFill/>
+          <a:solidFill>
+            <a:schemeClr val="accent2">
+              <a:lumMod val="20000"/>
+              <a:lumOff val="80000"/>
+            </a:schemeClr>
+          </a:solidFill>
           <a:ln>
-            <a:noFill/>
+            <a:solidFill>
+              <a:schemeClr val="accent2">
+                <a:lumMod val="75000"/>
+              </a:schemeClr>
+            </a:solidFill>
           </a:ln>
         </p:spPr>
         <p:style>
@@ -4347,281 +6125,32 @@
           </a:fontRef>
         </p:style>
         <p:txBody>
-          <a:bodyPr rtlCol="0" anchor="ctr"/>
-          <a:lstStyle/>
-          <a:p>
-            <a:pPr algn="ctr"/>
-            <a:r>
-              <a:rPr lang="fr-FR" sz="1400" b="1" dirty="0">
+          <a:bodyPr rtlCol="0" anchor="t"/>
+          <a:lstStyle/>
+          <a:p>
+            <a:pPr lvl="1" algn="ctr"/>
+            <a:r>
+              <a:rPr lang="fr-FR" sz="1200" b="1" dirty="0">
                 <a:solidFill>
                   <a:schemeClr val="tx1"/>
                 </a:solidFill>
               </a:rPr>
-              <a:t>Écart de près de 2s</a:t>
-            </a:r>
-          </a:p>
-        </p:txBody>
-      </p:sp>
-      <p:pic>
-        <p:nvPicPr>
-          <p:cNvPr id="25" name="Image 24" descr="C:\Users\Xavier\Desktop\Perso\Concours\CCP_PSI\2015_Sujets\182_XP_Sympact\SysML\Exigences.png">
-            <a:extLst>
-              <a:ext uri="{FF2B5EF4-FFF2-40B4-BE49-F238E27FC236}">
-                <a16:creationId xmlns:a16="http://schemas.microsoft.com/office/drawing/2014/main" id="{5D58BBFB-669C-409E-9DFD-F82DF9230B07}"/>
-              </a:ext>
-            </a:extLst>
-          </p:cNvPr>
-          <p:cNvPicPr/>
-          <p:nvPr/>
-        </p:nvPicPr>
-        <p:blipFill rotWithShape="1">
-          <a:blip r:embed="rId2" cstate="print">
-            <a:extLst>
-              <a:ext uri="{28A0092B-C50C-407E-A947-70E740481C1C}">
-                <a14:useLocalDpi xmlns:a14="http://schemas.microsoft.com/office/drawing/2010/main" val="0"/>
-              </a:ext>
-            </a:extLst>
-          </a:blip>
-          <a:srcRect l="37483" t="86305" r="1717" b="1717"/>
-          <a:stretch/>
-        </p:blipFill>
-        <p:spPr bwMode="auto">
-          <a:xfrm>
-            <a:off x="669468" y="2281125"/>
-            <a:ext cx="2827818" cy="580500"/>
-          </a:xfrm>
-          <a:prstGeom prst="rect">
-            <a:avLst/>
-          </a:prstGeom>
-          <a:noFill/>
-          <a:ln>
-            <a:noFill/>
-          </a:ln>
-        </p:spPr>
-      </p:pic>
-      <p:pic>
-        <p:nvPicPr>
-          <p:cNvPr id="26" name="Image 25" descr="C:\Users\Xavier\Desktop\Perso\Concours\CCP_PSI\2015_Sujets\182_XP_Sympact\SysML\Exigences.png">
-            <a:extLst>
-              <a:ext uri="{FF2B5EF4-FFF2-40B4-BE49-F238E27FC236}">
-                <a16:creationId xmlns:a16="http://schemas.microsoft.com/office/drawing/2014/main" id="{48829E0D-2DC5-4E5B-BF34-20BB9ECB0822}"/>
-              </a:ext>
-            </a:extLst>
-          </p:cNvPr>
-          <p:cNvPicPr/>
-          <p:nvPr/>
-        </p:nvPicPr>
-        <p:blipFill rotWithShape="1">
-          <a:blip r:embed="rId2" cstate="print">
-            <a:extLst>
-              <a:ext uri="{28A0092B-C50C-407E-A947-70E740481C1C}">
-                <a14:useLocalDpi xmlns:a14="http://schemas.microsoft.com/office/drawing/2010/main" val="0"/>
-              </a:ext>
-            </a:extLst>
-          </a:blip>
-          <a:srcRect l="36603" t="19530" r="1249" b="66447"/>
-          <a:stretch/>
-        </p:blipFill>
-        <p:spPr bwMode="auto">
-          <a:xfrm>
-            <a:off x="637845" y="1559712"/>
-            <a:ext cx="2954090" cy="694524"/>
-          </a:xfrm>
-          <a:prstGeom prst="rect">
-            <a:avLst/>
-          </a:prstGeom>
-          <a:noFill/>
-          <a:ln>
-            <a:noFill/>
-          </a:ln>
-        </p:spPr>
-      </p:pic>
-      <p:pic>
-        <p:nvPicPr>
-          <p:cNvPr id="27" name="Image 26">
-            <a:extLst>
-              <a:ext uri="{FF2B5EF4-FFF2-40B4-BE49-F238E27FC236}">
-                <a16:creationId xmlns:a16="http://schemas.microsoft.com/office/drawing/2014/main" id="{9CCD81D3-E3C0-4474-950A-1EBCEFF1E024}"/>
-              </a:ext>
-            </a:extLst>
-          </p:cNvPr>
-          <p:cNvPicPr/>
-          <p:nvPr/>
-        </p:nvPicPr>
-        <p:blipFill>
-          <a:blip r:embed="rId3" cstate="print">
-            <a:extLst>
-              <a:ext uri="{28A0092B-C50C-407E-A947-70E740481C1C}">
-                <a14:useLocalDpi xmlns:a14="http://schemas.microsoft.com/office/drawing/2010/main" val="0"/>
-              </a:ext>
-            </a:extLst>
-          </a:blip>
-          <a:srcRect/>
-          <a:stretch>
-            <a:fillRect/>
-          </a:stretch>
-        </p:blipFill>
-        <p:spPr bwMode="auto">
-          <a:xfrm>
-            <a:off x="1768509" y="3483399"/>
-            <a:ext cx="1823425" cy="1096065"/>
-          </a:xfrm>
-          <a:prstGeom prst="rect">
-            <a:avLst/>
-          </a:prstGeom>
-          <a:noFill/>
-        </p:spPr>
-      </p:pic>
-      <p:pic>
-        <p:nvPicPr>
-          <p:cNvPr id="28" name="Image 27">
-            <a:extLst>
-              <a:ext uri="{FF2B5EF4-FFF2-40B4-BE49-F238E27FC236}">
-                <a16:creationId xmlns:a16="http://schemas.microsoft.com/office/drawing/2014/main" id="{32765D64-9778-4A08-B3D3-BDB7F3B2CE0C}"/>
-              </a:ext>
-            </a:extLst>
-          </p:cNvPr>
-          <p:cNvPicPr/>
-          <p:nvPr/>
-        </p:nvPicPr>
-        <p:blipFill>
-          <a:blip r:embed="rId4"/>
-          <a:stretch>
-            <a:fillRect/>
-          </a:stretch>
-        </p:blipFill>
-        <p:spPr>
-          <a:xfrm>
-            <a:off x="944985" y="2747815"/>
-            <a:ext cx="1221740" cy="2015490"/>
-          </a:xfrm>
-          <a:prstGeom prst="rect">
-            <a:avLst/>
-          </a:prstGeom>
-        </p:spPr>
-      </p:pic>
-      <p:sp>
-        <p:nvSpPr>
-          <p:cNvPr id="29" name="Titre 1">
-            <a:extLst>
-              <a:ext uri="{FF2B5EF4-FFF2-40B4-BE49-F238E27FC236}">
-                <a16:creationId xmlns:a16="http://schemas.microsoft.com/office/drawing/2014/main" id="{ADC32C7A-1B1A-4F88-97CE-E7DF154960C4}"/>
-              </a:ext>
-            </a:extLst>
-          </p:cNvPr>
-          <p:cNvSpPr>
-            <a:spLocks noGrp="1"/>
-          </p:cNvSpPr>
-          <p:nvPr>
-            <p:ph type="title"/>
-          </p:nvPr>
-        </p:nvSpPr>
-        <p:spPr>
-          <a:xfrm>
-            <a:off x="0" y="-125200"/>
-            <a:ext cx="12192000" cy="867630"/>
-          </a:xfrm>
-        </p:spPr>
-        <p:txBody>
-          <a:bodyPr>
-            <a:normAutofit/>
-          </a:bodyPr>
-          <a:lstStyle/>
-          <a:p>
-            <a:pPr algn="ctr"/>
-            <a:r>
-              <a:rPr lang="fr-FR" sz="2800" b="1" dirty="0"/>
-              <a:t>Problématique : le moteur utilisé est-il adapté au cahier des charges ?</a:t>
-            </a:r>
-          </a:p>
-        </p:txBody>
-      </p:sp>
-      <p:sp>
-        <p:nvSpPr>
-          <p:cNvPr id="30" name="Titre 1">
-            <a:extLst>
-              <a:ext uri="{FF2B5EF4-FFF2-40B4-BE49-F238E27FC236}">
-                <a16:creationId xmlns:a16="http://schemas.microsoft.com/office/drawing/2014/main" id="{99A113C0-A626-48D9-96B6-63227568DFA5}"/>
-              </a:ext>
-            </a:extLst>
-          </p:cNvPr>
-          <p:cNvSpPr txBox="1">
-            <a:spLocks/>
-          </p:cNvSpPr>
-          <p:nvPr/>
-        </p:nvSpPr>
-        <p:spPr>
-          <a:xfrm>
-            <a:off x="0" y="622239"/>
-            <a:ext cx="12192000" cy="867630"/>
-          </a:xfrm>
-          <a:prstGeom prst="rect">
-            <a:avLst/>
-          </a:prstGeom>
-        </p:spPr>
-        <p:txBody>
-          <a:bodyPr vert="horz" lIns="91440" tIns="45720" rIns="91440" bIns="45720" rtlCol="0" anchor="ctr">
-            <a:noAutofit/>
-          </a:bodyPr>
-          <a:lstStyle>
-            <a:lvl1pPr algn="l" defTabSz="914400" rtl="0" eaLnBrk="1" latinLnBrk="0" hangingPunct="1">
-              <a:lnSpc>
-                <a:spcPct val="90000"/>
-              </a:lnSpc>
-              <a:spcBef>
-                <a:spcPct val="0"/>
-              </a:spcBef>
-              <a:buNone/>
-              <a:defRPr sz="4400" kern="1200">
-                <a:solidFill>
-                  <a:schemeClr val="tx1"/>
-                </a:solidFill>
-                <a:latin typeface="+mj-lt"/>
-                <a:ea typeface="+mj-ea"/>
-                <a:cs typeface="+mj-cs"/>
-              </a:defRPr>
-            </a:lvl1pPr>
-          </a:lstStyle>
-          <a:p>
-            <a:r>
-              <a:rPr lang="fr-FR" sz="2400" dirty="0">
-                <a:latin typeface="+mn-lt"/>
-              </a:rPr>
-              <a:t>Critères de dimensionnement du moteur : </a:t>
-            </a:r>
-          </a:p>
-          <a:p>
-            <a:pPr marL="914400" lvl="1" indent="-457200">
-              <a:buFont typeface="Wingdings" panose="05000000000000000000" pitchFamily="2" charset="2"/>
-              <a:buChar char="q"/>
-            </a:pPr>
-            <a:r>
-              <a:rPr lang="fr-FR" sz="2400" dirty="0">
-                <a:latin typeface="+mn-lt"/>
-              </a:rPr>
-              <a:t>Taux de rotation</a:t>
-            </a:r>
-          </a:p>
-          <a:p>
-            <a:pPr marL="914400" lvl="1" indent="-457200">
-              <a:buFont typeface="Wingdings" panose="05000000000000000000" pitchFamily="2" charset="2"/>
-              <a:buChar char="q"/>
-            </a:pPr>
-            <a:r>
-              <a:rPr lang="fr-FR" sz="2400" dirty="0">
-                <a:latin typeface="+mn-lt"/>
-              </a:rPr>
-              <a:t>Couple </a:t>
-            </a:r>
-          </a:p>
-        </p:txBody>
-      </p:sp>
-      <p:sp>
-        <p:nvSpPr>
-          <p:cNvPr id="31" name="Flèche : droite 30">
-            <a:extLst>
-              <a:ext uri="{FF2B5EF4-FFF2-40B4-BE49-F238E27FC236}">
-                <a16:creationId xmlns:a16="http://schemas.microsoft.com/office/drawing/2014/main" id="{F882124A-2913-49AD-9307-7E07C5C51551}"/>
+              <a:t>Intégration du couple ressort, des frottements…</a:t>
+            </a:r>
+            <a:endParaRPr lang="fr-FR" sz="1200" dirty="0">
+              <a:solidFill>
+                <a:schemeClr val="tx1"/>
+              </a:solidFill>
+            </a:endParaRPr>
+          </a:p>
+        </p:txBody>
+      </p:sp>
+      <p:sp>
+        <p:nvSpPr>
+          <p:cNvPr id="45" name="Rectangle 44">
+            <a:extLst>
+              <a:ext uri="{FF2B5EF4-FFF2-40B4-BE49-F238E27FC236}">
+                <a16:creationId xmlns:a16="http://schemas.microsoft.com/office/drawing/2014/main" id="{3D3F15EA-B751-4AD9-BCA4-63E5E31F65E9}"/>
               </a:ext>
             </a:extLst>
           </p:cNvPr>
@@ -4629,61 +6158,9 @@
           <p:nvPr/>
         </p:nvSpPr>
         <p:spPr>
-          <a:xfrm>
-            <a:off x="8640068" y="2736418"/>
-            <a:ext cx="1236957" cy="609938"/>
-          </a:xfrm>
-          <a:prstGeom prst="rightArrow">
-            <a:avLst/>
-          </a:prstGeom>
-          <a:ln/>
-        </p:spPr>
-        <p:style>
-          <a:lnRef idx="1">
-            <a:schemeClr val="accent6"/>
-          </a:lnRef>
-          <a:fillRef idx="2">
-            <a:schemeClr val="accent6"/>
-          </a:fillRef>
-          <a:effectRef idx="1">
-            <a:schemeClr val="accent6"/>
-          </a:effectRef>
-          <a:fontRef idx="minor">
-            <a:schemeClr val="dk1"/>
-          </a:fontRef>
-        </p:style>
-        <p:txBody>
-          <a:bodyPr rtlCol="0" anchor="ctr"/>
-          <a:lstStyle/>
-          <a:p>
-            <a:pPr algn="ctr"/>
-            <a:r>
-              <a:rPr lang="fr-FR" sz="1100" b="1" dirty="0">
-                <a:solidFill>
-                  <a:schemeClr val="tx1"/>
-                </a:solidFill>
-              </a:rPr>
-              <a:t>Choix N (tr/min)</a:t>
-            </a:r>
-          </a:p>
-        </p:txBody>
-      </p:sp>
-      <p:sp>
-        <p:nvSpPr>
-          <p:cNvPr id="32" name="Rectangle 31">
-            <a:extLst>
-              <a:ext uri="{FF2B5EF4-FFF2-40B4-BE49-F238E27FC236}">
-                <a16:creationId xmlns:a16="http://schemas.microsoft.com/office/drawing/2014/main" id="{D4187DE1-83DF-4A43-9F8B-026B7A538D45}"/>
-              </a:ext>
-            </a:extLst>
-          </p:cNvPr>
-          <p:cNvSpPr/>
-          <p:nvPr/>
-        </p:nvSpPr>
-        <p:spPr>
-          <a:xfrm>
-            <a:off x="9982200" y="2672565"/>
-            <a:ext cx="1236957" cy="737643"/>
+          <a:xfrm rot="16200000">
+            <a:off x="4802436" y="5127236"/>
+            <a:ext cx="747603" cy="428305"/>
           </a:xfrm>
           <a:prstGeom prst="rect">
             <a:avLst/>
@@ -4717,20 +6194,20 @@
             <a:r>
               <a:rPr lang="fr-FR" sz="1400" b="1" dirty="0">
                 <a:solidFill>
-                  <a:srgbClr val="FF0000"/>
+                  <a:schemeClr val="tx1"/>
                 </a:solidFill>
               </a:rPr>
-              <a:t>Augmenter la vitesse de pilotage</a:t>
-            </a:r>
-          </a:p>
-        </p:txBody>
-      </p:sp>
-      <p:sp>
-        <p:nvSpPr>
-          <p:cNvPr id="6" name="Flèche : virage 5">
-            <a:extLst>
-              <a:ext uri="{FF2B5EF4-FFF2-40B4-BE49-F238E27FC236}">
-                <a16:creationId xmlns:a16="http://schemas.microsoft.com/office/drawing/2014/main" id="{C33410DE-DFC1-4FBE-82D4-040E1BCACCFD}"/>
+              <a:t>Simulation</a:t>
+            </a:r>
+          </a:p>
+        </p:txBody>
+      </p:sp>
+      <p:sp>
+        <p:nvSpPr>
+          <p:cNvPr id="10" name="Rectangle 9">
+            <a:extLst>
+              <a:ext uri="{FF2B5EF4-FFF2-40B4-BE49-F238E27FC236}">
+                <a16:creationId xmlns:a16="http://schemas.microsoft.com/office/drawing/2014/main" id="{455BF407-C4D1-4370-92F8-DB5CF74643BD}"/>
               </a:ext>
             </a:extLst>
           </p:cNvPr>
@@ -4738,64 +6215,96 @@
           <p:nvPr/>
         </p:nvSpPr>
         <p:spPr>
-          <a:xfrm flipV="1">
-            <a:off x="10517815" y="3483399"/>
-            <a:ext cx="729200" cy="365125"/>
-          </a:xfrm>
-          <a:prstGeom prst="bentArrow">
-            <a:avLst/>
-          </a:prstGeom>
-        </p:spPr>
-        <p:style>
-          <a:lnRef idx="1">
-            <a:schemeClr val="accent2"/>
-          </a:lnRef>
-          <a:fillRef idx="2">
-            <a:schemeClr val="accent2"/>
-          </a:fillRef>
-          <a:effectRef idx="1">
-            <a:schemeClr val="accent2"/>
-          </a:effectRef>
-          <a:fontRef idx="minor">
-            <a:schemeClr val="dk1"/>
-          </a:fontRef>
-        </p:style>
-        <p:txBody>
-          <a:bodyPr rtlCol="0" anchor="ctr"/>
-          <a:lstStyle/>
-          <a:p>
-            <a:pPr algn="ctr"/>
-            <a:endParaRPr lang="fr-FR">
-              <a:solidFill>
-                <a:schemeClr val="tx1"/>
-              </a:solidFill>
-            </a:endParaRPr>
-          </a:p>
-        </p:txBody>
-      </p:sp>
-      <p:sp>
-        <p:nvSpPr>
-          <p:cNvPr id="34" name="Rectangle 33">
-            <a:extLst>
-              <a:ext uri="{FF2B5EF4-FFF2-40B4-BE49-F238E27FC236}">
-                <a16:creationId xmlns:a16="http://schemas.microsoft.com/office/drawing/2014/main" id="{BFDA1874-A6CB-4D4E-940F-84054E2DA3E3}"/>
-              </a:ext>
-            </a:extLst>
-          </p:cNvPr>
-          <p:cNvSpPr/>
-          <p:nvPr/>
-        </p:nvSpPr>
-        <p:spPr>
-          <a:xfrm>
-            <a:off x="11172197" y="3370634"/>
-            <a:ext cx="1236957" cy="737643"/>
+          <a:xfrm>
+            <a:off x="4239243" y="2836364"/>
+            <a:ext cx="292068" cy="369332"/>
           </a:xfrm>
           <a:prstGeom prst="rect">
             <a:avLst/>
           </a:prstGeom>
-          <a:noFill/>
+        </p:spPr>
+        <p:txBody>
+          <a:bodyPr wrap="none">
+            <a:spAutoFit/>
+          </a:bodyPr>
+          <a:lstStyle/>
+          <a:p>
+            <a:pPr algn="ctr"/>
+            <a:r>
+              <a:rPr lang="fr-FR" b="1" dirty="0"/>
+              <a:t>?</a:t>
+            </a:r>
+            <a:endParaRPr lang="fr-FR" dirty="0"/>
+          </a:p>
+        </p:txBody>
+      </p:sp>
+      <p:sp>
+        <p:nvSpPr>
+          <p:cNvPr id="46" name="Rectangle 45">
+            <a:extLst>
+              <a:ext uri="{FF2B5EF4-FFF2-40B4-BE49-F238E27FC236}">
+                <a16:creationId xmlns:a16="http://schemas.microsoft.com/office/drawing/2014/main" id="{FB7D8E65-E8C0-4A91-BB02-92A72C041C36}"/>
+              </a:ext>
+            </a:extLst>
+          </p:cNvPr>
+          <p:cNvSpPr/>
+          <p:nvPr/>
+        </p:nvSpPr>
+        <p:spPr>
+          <a:xfrm>
+            <a:off x="4260426" y="4046018"/>
+            <a:ext cx="292068" cy="369332"/>
+          </a:xfrm>
+          <a:prstGeom prst="rect">
+            <a:avLst/>
+          </a:prstGeom>
+        </p:spPr>
+        <p:txBody>
+          <a:bodyPr wrap="none">
+            <a:spAutoFit/>
+          </a:bodyPr>
+          <a:lstStyle/>
+          <a:p>
+            <a:pPr algn="ctr"/>
+            <a:r>
+              <a:rPr lang="fr-FR" b="1" dirty="0"/>
+              <a:t>?</a:t>
+            </a:r>
+            <a:endParaRPr lang="fr-FR" dirty="0"/>
+          </a:p>
+        </p:txBody>
+      </p:sp>
+      <p:sp>
+        <p:nvSpPr>
+          <p:cNvPr id="47" name="Rectangle 46">
+            <a:extLst>
+              <a:ext uri="{FF2B5EF4-FFF2-40B4-BE49-F238E27FC236}">
+                <a16:creationId xmlns:a16="http://schemas.microsoft.com/office/drawing/2014/main" id="{DF5D71FB-5A00-491E-BC68-CBDC6C59D202}"/>
+              </a:ext>
+            </a:extLst>
+          </p:cNvPr>
+          <p:cNvSpPr/>
+          <p:nvPr/>
+        </p:nvSpPr>
+        <p:spPr>
+          <a:xfrm>
+            <a:off x="8125849" y="4938614"/>
+            <a:ext cx="2117035" cy="805548"/>
+          </a:xfrm>
+          <a:prstGeom prst="rect">
+            <a:avLst/>
+          </a:prstGeom>
+          <a:solidFill>
+            <a:schemeClr val="bg1">
+              <a:lumMod val="85000"/>
+            </a:schemeClr>
+          </a:solidFill>
           <a:ln>
-            <a:noFill/>
+            <a:solidFill>
+              <a:schemeClr val="bg1">
+                <a:lumMod val="50000"/>
+              </a:schemeClr>
+            </a:solidFill>
           </a:ln>
         </p:spPr>
         <p:style>
@@ -4820,425 +6329,12 @@
           <a:p>
             <a:pPr algn="ctr"/>
             <a:r>
-              <a:rPr lang="fr-FR" sz="1400" b="1" dirty="0">
+              <a:rPr lang="fr-FR" sz="1200" dirty="0">
                 <a:solidFill>
                   <a:schemeClr val="tx1"/>
                 </a:solidFill>
               </a:rPr>
-              <a:t>A coups sur la barrière</a:t>
-            </a:r>
-          </a:p>
-        </p:txBody>
-      </p:sp>
-      <p:pic>
-        <p:nvPicPr>
-          <p:cNvPr id="35" name="Image 34">
-            <a:extLst>
-              <a:ext uri="{FF2B5EF4-FFF2-40B4-BE49-F238E27FC236}">
-                <a16:creationId xmlns:a16="http://schemas.microsoft.com/office/drawing/2014/main" id="{6D3E0923-311A-460B-8C0A-09786B253058}"/>
-              </a:ext>
-            </a:extLst>
-          </p:cNvPr>
-          <p:cNvPicPr/>
-          <p:nvPr/>
-        </p:nvPicPr>
-        <p:blipFill>
-          <a:blip r:embed="rId5" cstate="print">
-            <a:extLst>
-              <a:ext uri="{28A0092B-C50C-407E-A947-70E740481C1C}">
-                <a14:useLocalDpi xmlns:a14="http://schemas.microsoft.com/office/drawing/2010/main" val="0"/>
-              </a:ext>
-            </a:extLst>
-          </a:blip>
-          <a:srcRect/>
-          <a:stretch>
-            <a:fillRect/>
-          </a:stretch>
-        </p:blipFill>
-        <p:spPr bwMode="auto">
-          <a:xfrm>
-            <a:off x="628253" y="5011031"/>
-            <a:ext cx="843290" cy="1451604"/>
-          </a:xfrm>
-          <a:prstGeom prst="rect">
-            <a:avLst/>
-          </a:prstGeom>
-          <a:noFill/>
-        </p:spPr>
-      </p:pic>
-      <p:pic>
-        <p:nvPicPr>
-          <p:cNvPr id="1026" name="Picture 2" descr="http://tsi.ljf.free.fr/ATS/docs/S2I/TP/TP-CY4-SYMPACT/images/TP/sw4.png">
-            <a:extLst>
-              <a:ext uri="{FF2B5EF4-FFF2-40B4-BE49-F238E27FC236}">
-                <a16:creationId xmlns:a16="http://schemas.microsoft.com/office/drawing/2014/main" id="{2C42DA5D-1D21-47E1-A263-1D5B2992AD72}"/>
-              </a:ext>
-            </a:extLst>
-          </p:cNvPr>
-          <p:cNvPicPr>
-            <a:picLocks noChangeAspect="1" noChangeArrowheads="1"/>
-          </p:cNvPicPr>
-          <p:nvPr/>
-        </p:nvPicPr>
-        <p:blipFill>
-          <a:blip r:embed="rId6">
-            <a:extLst>
-              <a:ext uri="{28A0092B-C50C-407E-A947-70E740481C1C}">
-                <a14:useLocalDpi xmlns:a14="http://schemas.microsoft.com/office/drawing/2010/main" val="0"/>
-              </a:ext>
-            </a:extLst>
-          </a:blip>
-          <a:srcRect/>
-          <a:stretch>
-            <a:fillRect/>
-          </a:stretch>
-        </p:blipFill>
-        <p:spPr bwMode="auto">
-          <a:xfrm>
-            <a:off x="1210797" y="4821250"/>
-            <a:ext cx="2105468" cy="1558892"/>
-          </a:xfrm>
-          <a:prstGeom prst="rect">
-            <a:avLst/>
-          </a:prstGeom>
-          <a:noFill/>
-          <a:extLst>
-            <a:ext uri="{909E8E84-426E-40DD-AFC4-6F175D3DCCD1}">
-              <a14:hiddenFill xmlns:a14="http://schemas.microsoft.com/office/drawing/2010/main">
-                <a:solidFill>
-                  <a:srgbClr val="FFFFFF"/>
-                </a:solidFill>
-              </a14:hiddenFill>
-            </a:ext>
-          </a:extLst>
-        </p:spPr>
-      </p:pic>
-      <p:sp>
-        <p:nvSpPr>
-          <p:cNvPr id="37" name="Flèche : droite 36">
-            <a:extLst>
-              <a:ext uri="{FF2B5EF4-FFF2-40B4-BE49-F238E27FC236}">
-                <a16:creationId xmlns:a16="http://schemas.microsoft.com/office/drawing/2014/main" id="{043ABABB-C304-4770-B819-44BC68A7485A}"/>
-              </a:ext>
-            </a:extLst>
-          </p:cNvPr>
-          <p:cNvSpPr/>
-          <p:nvPr/>
-        </p:nvSpPr>
-        <p:spPr>
-          <a:xfrm rot="19800000">
-            <a:off x="3389756" y="6139661"/>
-            <a:ext cx="1469486" cy="414967"/>
-          </a:xfrm>
-          <a:prstGeom prst="rightArrow">
-            <a:avLst/>
-          </a:prstGeom>
-          <a:solidFill>
-            <a:schemeClr val="accent5">
-              <a:lumMod val="20000"/>
-              <a:lumOff val="80000"/>
-            </a:schemeClr>
-          </a:solidFill>
-          <a:ln>
-            <a:solidFill>
-              <a:schemeClr val="accent5">
-                <a:lumMod val="50000"/>
-              </a:schemeClr>
-            </a:solidFill>
-          </a:ln>
-        </p:spPr>
-        <p:style>
-          <a:lnRef idx="2">
-            <a:schemeClr val="accent1">
-              <a:shade val="50000"/>
-            </a:schemeClr>
-          </a:lnRef>
-          <a:fillRef idx="1">
-            <a:schemeClr val="accent1"/>
-          </a:fillRef>
-          <a:effectRef idx="0">
-            <a:schemeClr val="accent1"/>
-          </a:effectRef>
-          <a:fontRef idx="minor">
-            <a:schemeClr val="lt1"/>
-          </a:fontRef>
-        </p:style>
-        <p:txBody>
-          <a:bodyPr rtlCol="0" anchor="ctr"/>
-          <a:lstStyle/>
-          <a:p>
-            <a:pPr algn="ctr"/>
-            <a:r>
-              <a:rPr lang="fr-FR" sz="1400" b="1" dirty="0">
-                <a:solidFill>
-                  <a:schemeClr val="tx1"/>
-                </a:solidFill>
-              </a:rPr>
-              <a:t>Effets dyn.</a:t>
-            </a:r>
-          </a:p>
-        </p:txBody>
-      </p:sp>
-      <p:pic>
-        <p:nvPicPr>
-          <p:cNvPr id="38" name="Image 37" descr="D:\PuissanceMoteur_Dyn.png">
-            <a:extLst>
-              <a:ext uri="{FF2B5EF4-FFF2-40B4-BE49-F238E27FC236}">
-                <a16:creationId xmlns:a16="http://schemas.microsoft.com/office/drawing/2014/main" id="{D7F8640F-7DCC-4EEC-BEDC-7866C5343A4D}"/>
-              </a:ext>
-            </a:extLst>
-          </p:cNvPr>
-          <p:cNvPicPr/>
-          <p:nvPr/>
-        </p:nvPicPr>
-        <p:blipFill>
-          <a:blip r:embed="rId7" cstate="print">
-            <a:extLst>
-              <a:ext uri="{28A0092B-C50C-407E-A947-70E740481C1C}">
-                <a14:useLocalDpi xmlns:a14="http://schemas.microsoft.com/office/drawing/2010/main" val="0"/>
-              </a:ext>
-            </a:extLst>
-          </a:blip>
-          <a:srcRect/>
-          <a:stretch>
-            <a:fillRect/>
-          </a:stretch>
-        </p:blipFill>
-        <p:spPr bwMode="auto">
-          <a:xfrm>
-            <a:off x="8021696" y="5139688"/>
-            <a:ext cx="1446417" cy="1157184"/>
-          </a:xfrm>
-          <a:prstGeom prst="rect">
-            <a:avLst/>
-          </a:prstGeom>
-          <a:noFill/>
-          <a:ln>
-            <a:noFill/>
-          </a:ln>
-        </p:spPr>
-      </p:pic>
-      <p:sp>
-        <p:nvSpPr>
-          <p:cNvPr id="52" name="Flèche : droite 51">
-            <a:extLst>
-              <a:ext uri="{FF2B5EF4-FFF2-40B4-BE49-F238E27FC236}">
-                <a16:creationId xmlns:a16="http://schemas.microsoft.com/office/drawing/2014/main" id="{507FDBEE-4846-450E-B504-19F1185879DC}"/>
-              </a:ext>
-            </a:extLst>
-          </p:cNvPr>
-          <p:cNvSpPr/>
-          <p:nvPr/>
-        </p:nvSpPr>
-        <p:spPr>
-          <a:xfrm>
-            <a:off x="9508780" y="5276035"/>
-            <a:ext cx="1236957" cy="609938"/>
-          </a:xfrm>
-          <a:prstGeom prst="rightArrow">
-            <a:avLst/>
-          </a:prstGeom>
-          <a:ln/>
-        </p:spPr>
-        <p:style>
-          <a:lnRef idx="1">
-            <a:schemeClr val="accent6"/>
-          </a:lnRef>
-          <a:fillRef idx="2">
-            <a:schemeClr val="accent6"/>
-          </a:fillRef>
-          <a:effectRef idx="1">
-            <a:schemeClr val="accent6"/>
-          </a:effectRef>
-          <a:fontRef idx="minor">
-            <a:schemeClr val="dk1"/>
-          </a:fontRef>
-        </p:style>
-        <p:txBody>
-          <a:bodyPr rtlCol="0" anchor="ctr"/>
-          <a:lstStyle/>
-          <a:p>
-            <a:pPr algn="ctr"/>
-            <a:r>
-              <a:rPr lang="fr-FR" sz="1100" b="1" dirty="0">
-                <a:solidFill>
-                  <a:schemeClr val="tx1"/>
-                </a:solidFill>
-              </a:rPr>
-              <a:t>Choix C  et P (Nm et W)</a:t>
-            </a:r>
-          </a:p>
-        </p:txBody>
-      </p:sp>
-      <p:sp>
-        <p:nvSpPr>
-          <p:cNvPr id="53" name="Rectangle 52">
-            <a:extLst>
-              <a:ext uri="{FF2B5EF4-FFF2-40B4-BE49-F238E27FC236}">
-                <a16:creationId xmlns:a16="http://schemas.microsoft.com/office/drawing/2014/main" id="{14A643FA-BDEA-439F-8330-2548C131BD51}"/>
-              </a:ext>
-            </a:extLst>
-          </p:cNvPr>
-          <p:cNvSpPr/>
-          <p:nvPr/>
-        </p:nvSpPr>
-        <p:spPr>
-          <a:xfrm>
-            <a:off x="10681648" y="5212182"/>
-            <a:ext cx="1236957" cy="737643"/>
-          </a:xfrm>
-          <a:prstGeom prst="rect">
-            <a:avLst/>
-          </a:prstGeom>
-          <a:noFill/>
-          <a:ln>
-            <a:noFill/>
-          </a:ln>
-        </p:spPr>
-        <p:style>
-          <a:lnRef idx="2">
-            <a:schemeClr val="accent1">
-              <a:shade val="50000"/>
-            </a:schemeClr>
-          </a:lnRef>
-          <a:fillRef idx="1">
-            <a:schemeClr val="accent1"/>
-          </a:fillRef>
-          <a:effectRef idx="0">
-            <a:schemeClr val="accent1"/>
-          </a:effectRef>
-          <a:fontRef idx="minor">
-            <a:schemeClr val="lt1"/>
-          </a:fontRef>
-        </p:style>
-        <p:txBody>
-          <a:bodyPr rtlCol="0" anchor="ctr"/>
-          <a:lstStyle/>
-          <a:p>
-            <a:pPr algn="ctr"/>
-            <a:r>
-              <a:rPr lang="fr-FR" sz="1400" b="1" dirty="0">
-                <a:solidFill>
-                  <a:srgbClr val="FF0000"/>
-                </a:solidFill>
-              </a:rPr>
-              <a:t>Couple ~5Nm</a:t>
-            </a:r>
-          </a:p>
-          <a:p>
-            <a:pPr algn="ctr"/>
-            <a:r>
-              <a:rPr lang="fr-FR" sz="1400" b="1" dirty="0">
-                <a:solidFill>
-                  <a:srgbClr val="FF0000"/>
-                </a:solidFill>
-              </a:rPr>
-              <a:t>P ~10 W</a:t>
-            </a:r>
-          </a:p>
-        </p:txBody>
-      </p:sp>
-      <p:sp>
-        <p:nvSpPr>
-          <p:cNvPr id="56" name="Flèche : virage 55">
-            <a:extLst>
-              <a:ext uri="{FF2B5EF4-FFF2-40B4-BE49-F238E27FC236}">
-                <a16:creationId xmlns:a16="http://schemas.microsoft.com/office/drawing/2014/main" id="{42D0F980-6594-4A50-9DB1-7202C3F67857}"/>
-              </a:ext>
-            </a:extLst>
-          </p:cNvPr>
-          <p:cNvSpPr/>
-          <p:nvPr/>
-        </p:nvSpPr>
-        <p:spPr>
-          <a:xfrm flipV="1">
-            <a:off x="10016537" y="6197579"/>
-            <a:ext cx="729200" cy="365125"/>
-          </a:xfrm>
-          <a:prstGeom prst="bentArrow">
-            <a:avLst/>
-          </a:prstGeom>
-        </p:spPr>
-        <p:style>
-          <a:lnRef idx="1">
-            <a:schemeClr val="accent2"/>
-          </a:lnRef>
-          <a:fillRef idx="2">
-            <a:schemeClr val="accent2"/>
-          </a:fillRef>
-          <a:effectRef idx="1">
-            <a:schemeClr val="accent2"/>
-          </a:effectRef>
-          <a:fontRef idx="minor">
-            <a:schemeClr val="dk1"/>
-          </a:fontRef>
-        </p:style>
-        <p:txBody>
-          <a:bodyPr rtlCol="0" anchor="ctr"/>
-          <a:lstStyle/>
-          <a:p>
-            <a:pPr algn="ctr"/>
-            <a:endParaRPr lang="fr-FR">
-              <a:solidFill>
-                <a:schemeClr val="tx1"/>
-              </a:solidFill>
-            </a:endParaRPr>
-          </a:p>
-        </p:txBody>
-      </p:sp>
-      <p:sp>
-        <p:nvSpPr>
-          <p:cNvPr id="57" name="Rectangle 56">
-            <a:extLst>
-              <a:ext uri="{FF2B5EF4-FFF2-40B4-BE49-F238E27FC236}">
-                <a16:creationId xmlns:a16="http://schemas.microsoft.com/office/drawing/2014/main" id="{BE8FA2A6-F07C-4800-9D66-48E2FA40612F}"/>
-              </a:ext>
-            </a:extLst>
-          </p:cNvPr>
-          <p:cNvSpPr/>
-          <p:nvPr/>
-        </p:nvSpPr>
-        <p:spPr>
-          <a:xfrm>
-            <a:off x="10670919" y="6084814"/>
-            <a:ext cx="1236957" cy="737643"/>
-          </a:xfrm>
-          <a:prstGeom prst="rect">
-            <a:avLst/>
-          </a:prstGeom>
-          <a:noFill/>
-          <a:ln>
-            <a:noFill/>
-          </a:ln>
-        </p:spPr>
-        <p:style>
-          <a:lnRef idx="2">
-            <a:schemeClr val="accent1">
-              <a:shade val="50000"/>
-            </a:schemeClr>
-          </a:lnRef>
-          <a:fillRef idx="1">
-            <a:schemeClr val="accent1"/>
-          </a:fillRef>
-          <a:effectRef idx="0">
-            <a:schemeClr val="accent1"/>
-          </a:effectRef>
-          <a:fontRef idx="minor">
-            <a:schemeClr val="lt1"/>
-          </a:fontRef>
-        </p:style>
-        <p:txBody>
-          <a:bodyPr rtlCol="0" anchor="ctr"/>
-          <a:lstStyle/>
-          <a:p>
-            <a:pPr algn="ctr"/>
-            <a:r>
-              <a:rPr lang="fr-FR" sz="1400" b="1" dirty="0">
-                <a:solidFill>
-                  <a:schemeClr val="tx1"/>
-                </a:solidFill>
-              </a:rPr>
-              <a:t>Frottements et ressort à intégrer</a:t>
+              <a:t>Choix affiné</a:t>
             </a:r>
           </a:p>
         </p:txBody>
@@ -5246,7 +6342,7 @@
     </p:spTree>
     <p:extLst>
       <p:ext uri="{BB962C8B-B14F-4D97-AF65-F5344CB8AC3E}">
-        <p14:creationId xmlns:p14="http://schemas.microsoft.com/office/powerpoint/2010/main" val="1949166889"/>
+        <p14:creationId xmlns:p14="http://schemas.microsoft.com/office/powerpoint/2010/main" val="1694976163"/>
       </p:ext>
     </p:extLst>
   </p:cSld>
@@ -5273,439 +6369,173 @@
           <a:chExt cx="0" cy="0"/>
         </a:xfrm>
       </p:grpSpPr>
-      <p:sp>
-        <p:nvSpPr>
-          <p:cNvPr id="3" name="Espace réservé du pied de page 2"/>
-          <p:cNvSpPr>
-            <a:spLocks noGrp="1"/>
-          </p:cNvSpPr>
-          <p:nvPr>
-            <p:ph type="ftr" sz="quarter" idx="11"/>
-          </p:nvPr>
-        </p:nvSpPr>
-        <p:spPr/>
-        <p:txBody>
-          <a:bodyPr/>
-          <a:lstStyle/>
-          <a:p>
-            <a:r>
-              <a:rPr lang="fr-FR"/>
-              <a:t>Xavier Pessoles</a:t>
-            </a:r>
-          </a:p>
-        </p:txBody>
-      </p:sp>
-      <p:sp>
-        <p:nvSpPr>
-          <p:cNvPr id="4" name="Espace réservé du numéro de diapositive 3"/>
-          <p:cNvSpPr>
-            <a:spLocks noGrp="1"/>
-          </p:cNvSpPr>
-          <p:nvPr>
-            <p:ph type="sldNum" sz="quarter" idx="12"/>
-          </p:nvPr>
-        </p:nvSpPr>
-        <p:spPr/>
-        <p:txBody>
-          <a:bodyPr/>
-          <a:lstStyle/>
-          <a:p>
-            <a:fld id="{69AC6D6E-35D0-489D-B18A-03530B324155}" type="slidenum">
-              <a:rPr lang="fr-FR" smtClean="0"/>
-              <a:t>3</a:t>
-            </a:fld>
-            <a:endParaRPr lang="fr-FR"/>
-          </a:p>
-        </p:txBody>
-      </p:sp>
-      <p:sp>
-        <p:nvSpPr>
-          <p:cNvPr id="6" name="Rectangle 5"/>
-          <p:cNvSpPr/>
+      <p:pic>
+        <p:nvPicPr>
+          <p:cNvPr id="28" name="Image 27"/>
+          <p:cNvPicPr>
+            <a:picLocks noChangeAspect="1"/>
+          </p:cNvPicPr>
           <p:nvPr/>
-        </p:nvSpPr>
-        <p:spPr>
-          <a:xfrm>
-            <a:off x="4851684" y="2307886"/>
-            <a:ext cx="2513040" cy="3456386"/>
+        </p:nvPicPr>
+        <p:blipFill>
+          <a:blip r:embed="rId2"/>
+          <a:stretch>
+            <a:fillRect/>
+          </a:stretch>
+        </p:blipFill>
+        <p:spPr>
+          <a:xfrm>
+            <a:off x="5385043" y="2875721"/>
+            <a:ext cx="6497952" cy="3363750"/>
           </a:xfrm>
           <a:prstGeom prst="rect">
             <a:avLst/>
           </a:prstGeom>
-          <a:solidFill>
-            <a:schemeClr val="accent2">
-              <a:lumMod val="75000"/>
-            </a:schemeClr>
-          </a:solidFill>
-          <a:ln>
-            <a:solidFill>
-              <a:schemeClr val="accent2">
-                <a:lumMod val="75000"/>
-              </a:schemeClr>
-            </a:solidFill>
-          </a:ln>
-        </p:spPr>
-        <p:style>
-          <a:lnRef idx="2">
-            <a:schemeClr val="accent1">
-              <a:shade val="50000"/>
-            </a:schemeClr>
-          </a:lnRef>
-          <a:fillRef idx="1">
-            <a:schemeClr val="accent1"/>
-          </a:fillRef>
-          <a:effectRef idx="0">
-            <a:schemeClr val="accent1"/>
-          </a:effectRef>
-          <a:fontRef idx="minor">
-            <a:schemeClr val="lt1"/>
-          </a:fontRef>
-        </p:style>
-        <p:txBody>
-          <a:bodyPr rtlCol="0" anchor="ctr"/>
+        </p:spPr>
+      </p:pic>
+      <p:sp>
+        <p:nvSpPr>
+          <p:cNvPr id="20" name="Titre 1">
+            <a:extLst>
+              <a:ext uri="{FF2B5EF4-FFF2-40B4-BE49-F238E27FC236}">
+                <a16:creationId xmlns:a16="http://schemas.microsoft.com/office/drawing/2014/main" id="{84B0062F-7EDE-4F47-A43E-D45743BC62CB}"/>
+              </a:ext>
+            </a:extLst>
+          </p:cNvPr>
+          <p:cNvSpPr>
+            <a:spLocks noGrp="1"/>
+          </p:cNvSpPr>
+          <p:nvPr>
+            <p:ph type="title"/>
+          </p:nvPr>
+        </p:nvSpPr>
+        <p:spPr>
+          <a:xfrm>
+            <a:off x="0" y="7320"/>
+            <a:ext cx="12192000" cy="867630"/>
+          </a:xfrm>
+        </p:spPr>
+        <p:txBody>
+          <a:bodyPr>
+            <a:normAutofit/>
+          </a:bodyPr>
           <a:lstStyle/>
           <a:p>
             <a:pPr algn="ctr"/>
-            <a:endParaRPr lang="fr-FR"/>
-          </a:p>
-        </p:txBody>
-      </p:sp>
-      <p:sp>
-        <p:nvSpPr>
-          <p:cNvPr id="8" name="Rectangle 7"/>
-          <p:cNvSpPr/>
+            <a:r>
+              <a:rPr lang="fr-FR" sz="2800" b="1" dirty="0"/>
+              <a:t>Problématique : le moteur utilisé est-il adapté au cahier des charges ?</a:t>
+            </a:r>
+          </a:p>
+        </p:txBody>
+      </p:sp>
+      <p:sp>
+        <p:nvSpPr>
+          <p:cNvPr id="21" name="Titre 1">
+            <a:extLst>
+              <a:ext uri="{FF2B5EF4-FFF2-40B4-BE49-F238E27FC236}">
+                <a16:creationId xmlns:a16="http://schemas.microsoft.com/office/drawing/2014/main" id="{42AE2540-63EC-4CCB-8A4C-E9CF098252A0}"/>
+              </a:ext>
+            </a:extLst>
+          </p:cNvPr>
+          <p:cNvSpPr txBox="1">
+            <a:spLocks/>
+          </p:cNvSpPr>
           <p:nvPr/>
         </p:nvSpPr>
         <p:spPr>
           <a:xfrm>
-            <a:off x="1775520" y="2307886"/>
-            <a:ext cx="2520000" cy="3456386"/>
+            <a:off x="0" y="1033059"/>
+            <a:ext cx="12192000" cy="867630"/>
           </a:xfrm>
           <a:prstGeom prst="rect">
             <a:avLst/>
           </a:prstGeom>
-          <a:solidFill>
-            <a:schemeClr val="accent5">
-              <a:lumMod val="50000"/>
-            </a:schemeClr>
-          </a:solidFill>
-          <a:ln>
-            <a:solidFill>
-              <a:schemeClr val="accent5">
-                <a:lumMod val="50000"/>
-              </a:schemeClr>
-            </a:solidFill>
-          </a:ln>
-        </p:spPr>
-        <p:style>
-          <a:lnRef idx="2">
-            <a:schemeClr val="accent1">
-              <a:shade val="50000"/>
-            </a:schemeClr>
-          </a:lnRef>
-          <a:fillRef idx="1">
-            <a:schemeClr val="accent1"/>
-          </a:fillRef>
-          <a:effectRef idx="0">
-            <a:schemeClr val="accent1"/>
-          </a:effectRef>
-          <a:fontRef idx="minor">
-            <a:schemeClr val="lt1"/>
-          </a:fontRef>
-        </p:style>
-        <p:txBody>
-          <a:bodyPr rtlCol="0" anchor="ctr"/>
-          <a:lstStyle/>
-          <a:p>
-            <a:pPr algn="ctr"/>
-            <a:endParaRPr lang="fr-FR"/>
-          </a:p>
-        </p:txBody>
-      </p:sp>
-      <p:sp>
-        <p:nvSpPr>
-          <p:cNvPr id="11" name="Rectangle 10"/>
-          <p:cNvSpPr/>
+        </p:spPr>
+        <p:txBody>
+          <a:bodyPr vert="horz" lIns="91440" tIns="45720" rIns="91440" bIns="45720" rtlCol="0" anchor="ctr">
+            <a:noAutofit/>
+          </a:bodyPr>
+          <a:lstStyle>
+            <a:lvl1pPr algn="l" defTabSz="914400" rtl="0" eaLnBrk="1" latinLnBrk="0" hangingPunct="1">
+              <a:lnSpc>
+                <a:spcPct val="90000"/>
+              </a:lnSpc>
+              <a:spcBef>
+                <a:spcPct val="0"/>
+              </a:spcBef>
+              <a:buNone/>
+              <a:defRPr sz="4400" kern="1200">
+                <a:solidFill>
+                  <a:schemeClr val="tx1"/>
+                </a:solidFill>
+                <a:latin typeface="+mj-lt"/>
+                <a:ea typeface="+mj-ea"/>
+                <a:cs typeface="+mj-cs"/>
+              </a:defRPr>
+            </a:lvl1pPr>
+          </a:lstStyle>
+          <a:p>
+            <a:r>
+              <a:rPr lang="fr-FR" sz="2400" dirty="0">
+                <a:latin typeface="+mn-lt"/>
+              </a:rPr>
+              <a:t>Critères de dimensionnement du moteur : </a:t>
+            </a:r>
+          </a:p>
+          <a:p>
+            <a:pPr marL="914400" lvl="1" indent="-457200">
+              <a:buFont typeface="Wingdings" panose="05000000000000000000" pitchFamily="2" charset="2"/>
+              <a:buChar char="q"/>
+            </a:pPr>
+            <a:r>
+              <a:rPr lang="fr-FR" sz="2400" dirty="0">
+                <a:latin typeface="+mn-lt"/>
+              </a:rPr>
+              <a:t>Taux de rotation</a:t>
+            </a:r>
+          </a:p>
+          <a:p>
+            <a:pPr marL="914400" lvl="1" indent="-457200">
+              <a:buFont typeface="Wingdings" panose="05000000000000000000" pitchFamily="2" charset="2"/>
+              <a:buChar char="q"/>
+            </a:pPr>
+            <a:r>
+              <a:rPr lang="fr-FR" sz="2400" dirty="0">
+                <a:latin typeface="+mn-lt"/>
+              </a:rPr>
+              <a:t>Couple </a:t>
+            </a:r>
+          </a:p>
+        </p:txBody>
+      </p:sp>
+      <p:pic>
+        <p:nvPicPr>
+          <p:cNvPr id="22" name="Image 21" descr="C:\Users\Xavier\Desktop\Perso\Concours\CCP_PSI\2015_Sujets\182_XP_Sympact\SysML\Exigences.png">
+            <a:extLst>
+              <a:ext uri="{FF2B5EF4-FFF2-40B4-BE49-F238E27FC236}">
+                <a16:creationId xmlns:a16="http://schemas.microsoft.com/office/drawing/2014/main" id="{0E193F98-2F42-42DA-8E97-AA0E80E04578}"/>
+              </a:ext>
+            </a:extLst>
+          </p:cNvPr>
+          <p:cNvPicPr/>
           <p:nvPr/>
-        </p:nvSpPr>
-        <p:spPr>
-          <a:xfrm>
-            <a:off x="7927848" y="2307886"/>
-            <a:ext cx="2513040" cy="3456387"/>
-          </a:xfrm>
-          <a:prstGeom prst="rect">
-            <a:avLst/>
-          </a:prstGeom>
-          <a:solidFill>
-            <a:schemeClr val="bg1">
-              <a:lumMod val="50000"/>
-            </a:schemeClr>
-          </a:solidFill>
-          <a:ln>
-            <a:solidFill>
-              <a:schemeClr val="bg1">
-                <a:lumMod val="50000"/>
-              </a:schemeClr>
-            </a:solidFill>
-          </a:ln>
-        </p:spPr>
-        <p:style>
-          <a:lnRef idx="2">
-            <a:schemeClr val="accent1">
-              <a:shade val="50000"/>
-            </a:schemeClr>
-          </a:lnRef>
-          <a:fillRef idx="1">
-            <a:schemeClr val="accent1"/>
-          </a:fillRef>
-          <a:effectRef idx="0">
-            <a:schemeClr val="accent1"/>
-          </a:effectRef>
-          <a:fontRef idx="minor">
-            <a:schemeClr val="lt1"/>
-          </a:fontRef>
-        </p:style>
-        <p:txBody>
-          <a:bodyPr rtlCol="0" anchor="ctr"/>
-          <a:lstStyle/>
-          <a:p>
-            <a:pPr algn="ctr"/>
-            <a:endParaRPr lang="fr-FR"/>
-          </a:p>
-        </p:txBody>
-      </p:sp>
-      <p:sp>
-        <p:nvSpPr>
-          <p:cNvPr id="12" name="Rectangle 11"/>
-          <p:cNvSpPr/>
-          <p:nvPr/>
-        </p:nvSpPr>
-        <p:spPr>
-          <a:xfrm>
-            <a:off x="1775520" y="1052737"/>
-            <a:ext cx="2520000" cy="529350"/>
-          </a:xfrm>
-          <a:prstGeom prst="rect">
-            <a:avLst/>
-          </a:prstGeom>
-          <a:solidFill>
-            <a:schemeClr val="accent5">
-              <a:lumMod val="50000"/>
-            </a:schemeClr>
-          </a:solidFill>
-          <a:ln>
-            <a:solidFill>
-              <a:schemeClr val="accent5">
-                <a:lumMod val="50000"/>
-              </a:schemeClr>
-            </a:solidFill>
-          </a:ln>
-        </p:spPr>
-        <p:style>
-          <a:lnRef idx="2">
-            <a:schemeClr val="accent1">
-              <a:shade val="50000"/>
-            </a:schemeClr>
-          </a:lnRef>
-          <a:fillRef idx="1">
-            <a:schemeClr val="accent1"/>
-          </a:fillRef>
-          <a:effectRef idx="0">
-            <a:schemeClr val="accent1"/>
-          </a:effectRef>
-          <a:fontRef idx="minor">
-            <a:schemeClr val="lt1"/>
-          </a:fontRef>
-        </p:style>
-        <p:txBody>
-          <a:bodyPr rtlCol="0" anchor="ctr"/>
-          <a:lstStyle/>
-          <a:p>
-            <a:pPr algn="ctr"/>
-            <a:r>
-              <a:rPr lang="fr-FR" sz="1600" b="1" dirty="0"/>
-              <a:t>Performances attendues</a:t>
-            </a:r>
-          </a:p>
-        </p:txBody>
-      </p:sp>
-      <p:sp>
-        <p:nvSpPr>
-          <p:cNvPr id="17" name="Rectangle 16"/>
-          <p:cNvSpPr/>
-          <p:nvPr/>
-        </p:nvSpPr>
-        <p:spPr>
-          <a:xfrm>
-            <a:off x="4851684" y="1052738"/>
-            <a:ext cx="2513040" cy="529350"/>
-          </a:xfrm>
-          <a:prstGeom prst="rect">
-            <a:avLst/>
-          </a:prstGeom>
-          <a:solidFill>
-            <a:schemeClr val="accent2">
-              <a:lumMod val="75000"/>
-            </a:schemeClr>
-          </a:solidFill>
-          <a:ln>
-            <a:solidFill>
-              <a:schemeClr val="accent2">
-                <a:lumMod val="75000"/>
-              </a:schemeClr>
-            </a:solidFill>
-          </a:ln>
-        </p:spPr>
-        <p:style>
-          <a:lnRef idx="2">
-            <a:schemeClr val="accent1">
-              <a:shade val="50000"/>
-            </a:schemeClr>
-          </a:lnRef>
-          <a:fillRef idx="1">
-            <a:schemeClr val="accent1"/>
-          </a:fillRef>
-          <a:effectRef idx="0">
-            <a:schemeClr val="accent1"/>
-          </a:effectRef>
-          <a:fontRef idx="minor">
-            <a:schemeClr val="lt1"/>
-          </a:fontRef>
-        </p:style>
-        <p:txBody>
-          <a:bodyPr rtlCol="0" anchor="ctr"/>
-          <a:lstStyle/>
-          <a:p>
-            <a:pPr algn="ctr"/>
-            <a:r>
-              <a:rPr lang="fr-FR" sz="1600" b="1" dirty="0"/>
-              <a:t>Performances simulées et mesurées</a:t>
-            </a:r>
-          </a:p>
-        </p:txBody>
-      </p:sp>
-      <p:sp>
-        <p:nvSpPr>
-          <p:cNvPr id="19" name="Rectangle 18"/>
-          <p:cNvSpPr/>
-          <p:nvPr/>
-        </p:nvSpPr>
-        <p:spPr>
-          <a:xfrm>
-            <a:off x="4982760" y="2377035"/>
-            <a:ext cx="2265368" cy="1224136"/>
-          </a:xfrm>
-          <a:prstGeom prst="rect">
-            <a:avLst/>
-          </a:prstGeom>
-          <a:solidFill>
-            <a:schemeClr val="accent2">
-              <a:lumMod val="20000"/>
-              <a:lumOff val="80000"/>
-            </a:schemeClr>
-          </a:solidFill>
-          <a:ln>
-            <a:solidFill>
-              <a:schemeClr val="accent2">
-                <a:lumMod val="75000"/>
-              </a:schemeClr>
-            </a:solidFill>
-          </a:ln>
-        </p:spPr>
-        <p:style>
-          <a:lnRef idx="2">
-            <a:schemeClr val="accent1">
-              <a:shade val="50000"/>
-            </a:schemeClr>
-          </a:lnRef>
-          <a:fillRef idx="1">
-            <a:schemeClr val="accent1"/>
-          </a:fillRef>
-          <a:effectRef idx="0">
-            <a:schemeClr val="accent1"/>
-          </a:effectRef>
-          <a:fontRef idx="minor">
-            <a:schemeClr val="lt1"/>
-          </a:fontRef>
-        </p:style>
-        <p:txBody>
-          <a:bodyPr rtlCol="0" anchor="t"/>
-          <a:lstStyle/>
-          <a:p>
-            <a:endParaRPr lang="fr-FR" sz="1200" dirty="0">
-              <a:solidFill>
-                <a:schemeClr val="tx1"/>
-              </a:solidFill>
-            </a:endParaRPr>
-          </a:p>
-        </p:txBody>
-      </p:sp>
-      <p:sp>
-        <p:nvSpPr>
-          <p:cNvPr id="24" name="Rectangle 23"/>
-          <p:cNvSpPr/>
-          <p:nvPr/>
-        </p:nvSpPr>
-        <p:spPr>
-          <a:xfrm>
-            <a:off x="4982760" y="3695121"/>
-            <a:ext cx="2265368" cy="1224136"/>
-          </a:xfrm>
-          <a:prstGeom prst="rect">
-            <a:avLst/>
-          </a:prstGeom>
-          <a:solidFill>
-            <a:schemeClr val="accent2">
-              <a:lumMod val="20000"/>
-              <a:lumOff val="80000"/>
-            </a:schemeClr>
-          </a:solidFill>
-          <a:ln>
-            <a:solidFill>
-              <a:schemeClr val="accent2">
-                <a:lumMod val="75000"/>
-              </a:schemeClr>
-            </a:solidFill>
-          </a:ln>
-        </p:spPr>
-        <p:style>
-          <a:lnRef idx="2">
-            <a:schemeClr val="accent1">
-              <a:shade val="50000"/>
-            </a:schemeClr>
-          </a:lnRef>
-          <a:fillRef idx="1">
-            <a:schemeClr val="accent1"/>
-          </a:fillRef>
-          <a:effectRef idx="0">
-            <a:schemeClr val="accent1"/>
-          </a:effectRef>
-          <a:fontRef idx="minor">
-            <a:schemeClr val="lt1"/>
-          </a:fontRef>
-        </p:style>
-        <p:txBody>
-          <a:bodyPr rtlCol="0" anchor="t"/>
-          <a:lstStyle/>
-          <a:p>
-            <a:endParaRPr lang="fr-FR" sz="1200" dirty="0">
-              <a:solidFill>
-                <a:schemeClr val="tx1"/>
-              </a:solidFill>
-            </a:endParaRPr>
-          </a:p>
-        </p:txBody>
-      </p:sp>
-      <p:sp>
-        <p:nvSpPr>
-          <p:cNvPr id="26" name="Rectangle 25"/>
-          <p:cNvSpPr/>
-          <p:nvPr/>
-        </p:nvSpPr>
-        <p:spPr>
-          <a:xfrm rot="16200000">
-            <a:off x="4584844" y="2774951"/>
-            <a:ext cx="1224136" cy="428305"/>
+        </p:nvPicPr>
+        <p:blipFill rotWithShape="1">
+          <a:blip r:embed="rId3" cstate="print">
+            <a:extLst>
+              <a:ext uri="{28A0092B-C50C-407E-A947-70E740481C1C}">
+                <a14:useLocalDpi xmlns:a14="http://schemas.microsoft.com/office/drawing/2010/main" val="0"/>
+              </a:ext>
+            </a:extLst>
+          </a:blip>
+          <a:srcRect l="37483" t="86305" r="1717" b="1717"/>
+          <a:stretch/>
+        </p:blipFill>
+        <p:spPr bwMode="auto">
+          <a:xfrm>
+            <a:off x="2146029" y="3697855"/>
+            <a:ext cx="3239013" cy="664911"/>
           </a:xfrm>
           <a:prstGeom prst="rect">
             <a:avLst/>
@@ -5715,48 +6545,34 @@
             <a:noFill/>
           </a:ln>
         </p:spPr>
-        <p:style>
-          <a:lnRef idx="2">
-            <a:schemeClr val="accent1">
-              <a:shade val="50000"/>
-            </a:schemeClr>
-          </a:lnRef>
-          <a:fillRef idx="1">
-            <a:schemeClr val="accent1"/>
-          </a:fillRef>
-          <a:effectRef idx="0">
-            <a:schemeClr val="accent1"/>
-          </a:effectRef>
-          <a:fontRef idx="minor">
-            <a:schemeClr val="lt1"/>
-          </a:fontRef>
-        </p:style>
-        <p:txBody>
-          <a:bodyPr rtlCol="0" anchor="ctr"/>
-          <a:lstStyle/>
-          <a:p>
-            <a:pPr algn="ctr"/>
-            <a:r>
-              <a:rPr lang="fr-FR" sz="1100" b="1" dirty="0">
-                <a:solidFill>
-                  <a:schemeClr val="tx1"/>
-                </a:solidFill>
-              </a:rPr>
-              <a:t>Expérimentation</a:t>
-            </a:r>
-          </a:p>
-        </p:txBody>
-      </p:sp>
-      <p:sp>
-        <p:nvSpPr>
-          <p:cNvPr id="27" name="Rectangle 26"/>
-          <p:cNvSpPr/>
+      </p:pic>
+      <p:pic>
+        <p:nvPicPr>
+          <p:cNvPr id="23" name="Image 22" descr="C:\Users\Xavier\Desktop\Perso\Concours\CCP_PSI\2015_Sujets\182_XP_Sympact\SysML\Exigences.png">
+            <a:extLst>
+              <a:ext uri="{FF2B5EF4-FFF2-40B4-BE49-F238E27FC236}">
+                <a16:creationId xmlns:a16="http://schemas.microsoft.com/office/drawing/2014/main" id="{B314522B-9669-4023-A7CD-1F0B91264F6E}"/>
+              </a:ext>
+            </a:extLst>
+          </p:cNvPr>
+          <p:cNvPicPr/>
           <p:nvPr/>
-        </p:nvSpPr>
-        <p:spPr>
-          <a:xfrm rot="16200000">
-            <a:off x="4531037" y="4100464"/>
-            <a:ext cx="1224136" cy="428305"/>
+        </p:nvPicPr>
+        <p:blipFill rotWithShape="1">
+          <a:blip r:embed="rId3" cstate="print">
+            <a:extLst>
+              <a:ext uri="{28A0092B-C50C-407E-A947-70E740481C1C}">
+                <a14:useLocalDpi xmlns:a14="http://schemas.microsoft.com/office/drawing/2010/main" val="0"/>
+              </a:ext>
+            </a:extLst>
+          </a:blip>
+          <a:srcRect l="36603" t="19530" r="1249" b="66447"/>
+          <a:stretch/>
+        </p:blipFill>
+        <p:spPr bwMode="auto">
+          <a:xfrm>
+            <a:off x="2146029" y="2779389"/>
+            <a:ext cx="3239013" cy="761511"/>
           </a:xfrm>
           <a:prstGeom prst="rect">
             <a:avLst/>
@@ -5766,855 +6582,39 @@
             <a:noFill/>
           </a:ln>
         </p:spPr>
-        <p:style>
-          <a:lnRef idx="2">
-            <a:schemeClr val="accent1">
-              <a:shade val="50000"/>
-            </a:schemeClr>
-          </a:lnRef>
-          <a:fillRef idx="1">
-            <a:schemeClr val="accent1"/>
-          </a:fillRef>
-          <a:effectRef idx="0">
-            <a:schemeClr val="accent1"/>
-          </a:effectRef>
-          <a:fontRef idx="minor">
-            <a:schemeClr val="lt1"/>
-          </a:fontRef>
-        </p:style>
-        <p:txBody>
-          <a:bodyPr rtlCol="0" anchor="ctr"/>
-          <a:lstStyle/>
-          <a:p>
-            <a:pPr algn="ctr"/>
-            <a:r>
-              <a:rPr lang="fr-FR" sz="1400" b="1" dirty="0">
-                <a:solidFill>
-                  <a:schemeClr val="tx1"/>
-                </a:solidFill>
-              </a:rPr>
-              <a:t>Simulation</a:t>
-            </a:r>
-          </a:p>
-        </p:txBody>
-      </p:sp>
-      <p:sp>
-        <p:nvSpPr>
-          <p:cNvPr id="29" name="Rectangle 28"/>
-          <p:cNvSpPr/>
+      </p:pic>
+      <p:sp>
+        <p:nvSpPr>
+          <p:cNvPr id="10" name="ZoneTexte 9">
+            <a:extLst>
+              <a:ext uri="{FF2B5EF4-FFF2-40B4-BE49-F238E27FC236}">
+                <a16:creationId xmlns:a16="http://schemas.microsoft.com/office/drawing/2014/main" id="{D6E099B7-F8AA-497B-93B0-B1D80BC52E66}"/>
+              </a:ext>
+            </a:extLst>
+          </p:cNvPr>
+          <p:cNvSpPr txBox="1"/>
           <p:nvPr/>
         </p:nvSpPr>
         <p:spPr>
-          <a:xfrm>
-            <a:off x="7927849" y="1052738"/>
-            <a:ext cx="2513039" cy="529350"/>
-          </a:xfrm>
-          <a:prstGeom prst="rect">
-            <a:avLst/>
-          </a:prstGeom>
-          <a:solidFill>
-            <a:schemeClr val="bg1">
-              <a:lumMod val="50000"/>
-            </a:schemeClr>
-          </a:solidFill>
-          <a:ln>
-            <a:solidFill>
-              <a:schemeClr val="bg1">
-                <a:lumMod val="50000"/>
-              </a:schemeClr>
-            </a:solidFill>
-          </a:ln>
-        </p:spPr>
-        <p:style>
-          <a:lnRef idx="2">
-            <a:schemeClr val="accent1">
-              <a:shade val="50000"/>
-            </a:schemeClr>
-          </a:lnRef>
-          <a:fillRef idx="1">
-            <a:schemeClr val="accent1"/>
-          </a:fillRef>
-          <a:effectRef idx="0">
-            <a:schemeClr val="accent1"/>
-          </a:effectRef>
-          <a:fontRef idx="minor">
-            <a:schemeClr val="lt1"/>
-          </a:fontRef>
-        </p:style>
-        <p:txBody>
-          <a:bodyPr rtlCol="0" anchor="ctr"/>
-          <a:lstStyle/>
-          <a:p>
-            <a:pPr algn="ctr"/>
-            <a:r>
-              <a:rPr lang="fr-FR" dirty="0"/>
-              <a:t>Démarche et conclusion</a:t>
-            </a:r>
-          </a:p>
-        </p:txBody>
-      </p:sp>
-      <p:sp>
-        <p:nvSpPr>
-          <p:cNvPr id="31" name="Flèche : droite 30"/>
-          <p:cNvSpPr/>
-          <p:nvPr/>
-        </p:nvSpPr>
-        <p:spPr>
-          <a:xfrm>
-            <a:off x="1775520" y="1649529"/>
-            <a:ext cx="8640960" cy="609938"/>
-          </a:xfrm>
-          <a:prstGeom prst="rightArrow">
-            <a:avLst/>
-          </a:prstGeom>
-          <a:noFill/>
-          <a:ln>
-            <a:solidFill>
-              <a:srgbClr val="7030A0"/>
-            </a:solidFill>
-          </a:ln>
-        </p:spPr>
-        <p:style>
-          <a:lnRef idx="2">
-            <a:schemeClr val="accent1">
-              <a:shade val="50000"/>
-            </a:schemeClr>
-          </a:lnRef>
-          <a:fillRef idx="1">
-            <a:schemeClr val="accent1"/>
-          </a:fillRef>
-          <a:effectRef idx="0">
-            <a:schemeClr val="accent1"/>
-          </a:effectRef>
-          <a:fontRef idx="minor">
-            <a:schemeClr val="lt1"/>
-          </a:fontRef>
-        </p:style>
-        <p:txBody>
-          <a:bodyPr rtlCol="0" anchor="ctr"/>
-          <a:lstStyle/>
-          <a:p>
-            <a:pPr algn="ctr"/>
-            <a:r>
-              <a:rPr lang="fr-FR" b="1" dirty="0">
-                <a:solidFill>
-                  <a:schemeClr val="tx1"/>
-                </a:solidFill>
-              </a:rPr>
-              <a:t>Problématique : le moteur utilisé est-il adapté au cahier des charges ?</a:t>
-            </a:r>
-          </a:p>
-        </p:txBody>
-      </p:sp>
-      <p:pic>
-        <p:nvPicPr>
-          <p:cNvPr id="32" name="Image 31" descr="C:\Users\Xavier\Desktop\Perso\Concours\CCP_PSI\2015_Sujets\182_XP_Sympact\SysML\Exigences.png">
-            <a:extLst>
-              <a:ext uri="{FF2B5EF4-FFF2-40B4-BE49-F238E27FC236}">
-                <a16:creationId xmlns:a16="http://schemas.microsoft.com/office/drawing/2014/main" id="{4C32C691-776D-4F37-80B4-9BA4C2C6ABE0}"/>
-              </a:ext>
-            </a:extLst>
-          </p:cNvPr>
-          <p:cNvPicPr/>
-          <p:nvPr/>
-        </p:nvPicPr>
-        <p:blipFill rotWithShape="1">
-          <a:blip r:embed="rId2" cstate="print">
-            <a:extLst>
-              <a:ext uri="{28A0092B-C50C-407E-A947-70E740481C1C}">
-                <a14:useLocalDpi xmlns:a14="http://schemas.microsoft.com/office/drawing/2010/main" val="0"/>
-              </a:ext>
-            </a:extLst>
-          </a:blip>
-          <a:srcRect l="69412" t="85700" r="1716" b="1717"/>
-          <a:stretch/>
-        </p:blipFill>
-        <p:spPr bwMode="auto">
-          <a:xfrm>
-            <a:off x="2357683" y="2619677"/>
-            <a:ext cx="1342833" cy="609809"/>
+          <a:xfrm rot="16200000">
+            <a:off x="128593" y="2593615"/>
+            <a:ext cx="2519975" cy="923330"/>
           </a:xfrm>
           <a:prstGeom prst="rect">
             <a:avLst/>
           </a:prstGeom>
           <a:noFill/>
-          <a:ln>
-            <a:noFill/>
-          </a:ln>
-        </p:spPr>
-      </p:pic>
-      <p:pic>
-        <p:nvPicPr>
-          <p:cNvPr id="33" name="Image 32" descr="C:\Users\Xavier\Desktop\Perso\Concours\CCP_PSI\2015_Sujets\182_XP_Sympact\SysML\Exigences.png">
-            <a:extLst>
-              <a:ext uri="{FF2B5EF4-FFF2-40B4-BE49-F238E27FC236}">
-                <a16:creationId xmlns:a16="http://schemas.microsoft.com/office/drawing/2014/main" id="{867BC8BC-7374-4B99-96B9-3734CCD1BB49}"/>
-              </a:ext>
-            </a:extLst>
-          </p:cNvPr>
-          <p:cNvPicPr/>
-          <p:nvPr/>
-        </p:nvPicPr>
-        <p:blipFill rotWithShape="1">
-          <a:blip r:embed="rId2" cstate="print">
-            <a:extLst>
-              <a:ext uri="{28A0092B-C50C-407E-A947-70E740481C1C}">
-                <a14:useLocalDpi xmlns:a14="http://schemas.microsoft.com/office/drawing/2010/main" val="0"/>
-              </a:ext>
-            </a:extLst>
-          </a:blip>
-          <a:srcRect l="74102" t="19530" r="1249" b="66447"/>
-          <a:stretch/>
-        </p:blipFill>
-        <p:spPr bwMode="auto">
-          <a:xfrm>
-            <a:off x="2449700" y="3566813"/>
-            <a:ext cx="1171640" cy="694524"/>
-          </a:xfrm>
-          <a:prstGeom prst="rect">
-            <a:avLst/>
-          </a:prstGeom>
-          <a:noFill/>
-          <a:ln>
-            <a:noFill/>
-          </a:ln>
-        </p:spPr>
-      </p:pic>
-      <p:pic>
-        <p:nvPicPr>
-          <p:cNvPr id="34" name="Image 33">
-            <a:extLst>
-              <a:ext uri="{FF2B5EF4-FFF2-40B4-BE49-F238E27FC236}">
-                <a16:creationId xmlns:a16="http://schemas.microsoft.com/office/drawing/2014/main" id="{FC23F224-204A-453E-A80F-2E7FA707B587}"/>
-              </a:ext>
-            </a:extLst>
-          </p:cNvPr>
-          <p:cNvPicPr/>
-          <p:nvPr/>
-        </p:nvPicPr>
-        <p:blipFill>
-          <a:blip r:embed="rId3" cstate="print">
-            <a:extLst>
-              <a:ext uri="{28A0092B-C50C-407E-A947-70E740481C1C}">
-                <a14:useLocalDpi xmlns:a14="http://schemas.microsoft.com/office/drawing/2010/main" val="0"/>
-              </a:ext>
-            </a:extLst>
-          </a:blip>
-          <a:srcRect/>
-          <a:stretch>
-            <a:fillRect/>
-          </a:stretch>
-        </p:blipFill>
-        <p:spPr bwMode="auto">
-          <a:xfrm>
-            <a:off x="5649317" y="2636225"/>
-            <a:ext cx="1182470" cy="710784"/>
-          </a:xfrm>
-          <a:prstGeom prst="rect">
-            <a:avLst/>
-          </a:prstGeom>
-          <a:noFill/>
-        </p:spPr>
-      </p:pic>
-      <p:pic>
-        <p:nvPicPr>
-          <p:cNvPr id="35" name="Image 34" descr="D:\PuissanceMoteur_Dyn.png">
-            <a:extLst>
-              <a:ext uri="{FF2B5EF4-FFF2-40B4-BE49-F238E27FC236}">
-                <a16:creationId xmlns:a16="http://schemas.microsoft.com/office/drawing/2014/main" id="{30EAFD09-5E5E-467E-B4DC-43C6C4B65825}"/>
-              </a:ext>
-            </a:extLst>
-          </p:cNvPr>
-          <p:cNvPicPr/>
-          <p:nvPr/>
-        </p:nvPicPr>
-        <p:blipFill>
-          <a:blip r:embed="rId4" cstate="print">
-            <a:extLst>
-              <a:ext uri="{28A0092B-C50C-407E-A947-70E740481C1C}">
-                <a14:useLocalDpi xmlns:a14="http://schemas.microsoft.com/office/drawing/2010/main" val="0"/>
-              </a:ext>
-            </a:extLst>
-          </a:blip>
-          <a:srcRect/>
-          <a:stretch>
-            <a:fillRect/>
-          </a:stretch>
-        </p:blipFill>
-        <p:spPr bwMode="auto">
-          <a:xfrm>
-            <a:off x="5434526" y="3736024"/>
-            <a:ext cx="1446417" cy="1157184"/>
-          </a:xfrm>
-          <a:prstGeom prst="rect">
-            <a:avLst/>
-          </a:prstGeom>
-          <a:noFill/>
-          <a:ln>
-            <a:noFill/>
-          </a:ln>
-        </p:spPr>
-      </p:pic>
-      <p:sp>
-        <p:nvSpPr>
-          <p:cNvPr id="36" name="Rectangle 35">
-            <a:extLst>
-              <a:ext uri="{FF2B5EF4-FFF2-40B4-BE49-F238E27FC236}">
-                <a16:creationId xmlns:a16="http://schemas.microsoft.com/office/drawing/2014/main" id="{2376C4D1-C150-4DA2-8122-097A8A0E4A46}"/>
-              </a:ext>
-            </a:extLst>
-          </p:cNvPr>
-          <p:cNvSpPr/>
-          <p:nvPr/>
-        </p:nvSpPr>
-        <p:spPr>
-          <a:xfrm>
-            <a:off x="8125850" y="2377036"/>
-            <a:ext cx="2117035" cy="1224136"/>
-          </a:xfrm>
-          <a:prstGeom prst="rect">
-            <a:avLst/>
-          </a:prstGeom>
-          <a:solidFill>
-            <a:schemeClr val="bg1">
-              <a:lumMod val="85000"/>
-            </a:schemeClr>
-          </a:solidFill>
-          <a:ln>
-            <a:solidFill>
-              <a:schemeClr val="bg1">
-                <a:lumMod val="50000"/>
-              </a:schemeClr>
-            </a:solidFill>
-          </a:ln>
-        </p:spPr>
-        <p:style>
-          <a:lnRef idx="2">
-            <a:schemeClr val="accent1">
-              <a:shade val="50000"/>
-            </a:schemeClr>
-          </a:lnRef>
-          <a:fillRef idx="1">
-            <a:schemeClr val="accent1"/>
-          </a:fillRef>
-          <a:effectRef idx="0">
-            <a:schemeClr val="accent1"/>
-          </a:effectRef>
-          <a:fontRef idx="minor">
-            <a:schemeClr val="lt1"/>
-          </a:fontRef>
-        </p:style>
-        <p:txBody>
-          <a:bodyPr rtlCol="0" anchor="ctr"/>
-          <a:lstStyle/>
-          <a:p>
-            <a:pPr algn="ctr"/>
-            <a:r>
-              <a:rPr lang="fr-FR" sz="1200" dirty="0">
-                <a:solidFill>
-                  <a:schemeClr val="tx1"/>
-                </a:solidFill>
-              </a:rPr>
-              <a:t>Méthode </a:t>
-            </a:r>
-            <a:r>
-              <a:rPr lang="fr-FR" sz="1200" b="1" dirty="0">
-                <a:solidFill>
-                  <a:schemeClr val="tx1"/>
-                </a:solidFill>
-              </a:rPr>
-              <a:t>expérimentale</a:t>
-            </a:r>
-            <a:r>
-              <a:rPr lang="fr-FR" sz="1200" dirty="0">
-                <a:solidFill>
-                  <a:schemeClr val="tx1"/>
-                </a:solidFill>
-              </a:rPr>
-              <a:t> (Test de d’influence de la fréquence du variateur) </a:t>
-            </a:r>
-          </a:p>
-          <a:p>
-            <a:pPr algn="ctr"/>
-            <a:r>
-              <a:rPr lang="fr-FR" sz="1200" b="1" dirty="0">
-                <a:solidFill>
-                  <a:schemeClr val="tx1"/>
-                </a:solidFill>
-              </a:rPr>
-              <a:t>Choix de la consigne en vitesse</a:t>
-            </a:r>
-          </a:p>
-        </p:txBody>
-      </p:sp>
-      <p:sp>
-        <p:nvSpPr>
-          <p:cNvPr id="38" name="Rectangle 37">
-            <a:extLst>
-              <a:ext uri="{FF2B5EF4-FFF2-40B4-BE49-F238E27FC236}">
-                <a16:creationId xmlns:a16="http://schemas.microsoft.com/office/drawing/2014/main" id="{AC68BCC6-4727-4F6E-A3DC-EBFD838796A6}"/>
-              </a:ext>
-            </a:extLst>
-          </p:cNvPr>
-          <p:cNvSpPr/>
-          <p:nvPr/>
-        </p:nvSpPr>
-        <p:spPr>
-          <a:xfrm>
-            <a:off x="8125849" y="4058000"/>
-            <a:ext cx="2117035" cy="805548"/>
-          </a:xfrm>
-          <a:prstGeom prst="rect">
-            <a:avLst/>
-          </a:prstGeom>
-          <a:solidFill>
-            <a:schemeClr val="bg1">
-              <a:lumMod val="85000"/>
-            </a:schemeClr>
-          </a:solidFill>
-          <a:ln>
-            <a:solidFill>
-              <a:schemeClr val="bg1">
-                <a:lumMod val="50000"/>
-              </a:schemeClr>
-            </a:solidFill>
-          </a:ln>
-        </p:spPr>
-        <p:style>
-          <a:lnRef idx="2">
-            <a:schemeClr val="accent1">
-              <a:shade val="50000"/>
-            </a:schemeClr>
-          </a:lnRef>
-          <a:fillRef idx="1">
-            <a:schemeClr val="accent1"/>
-          </a:fillRef>
-          <a:effectRef idx="0">
-            <a:schemeClr val="accent1"/>
-          </a:effectRef>
-          <a:fontRef idx="minor">
-            <a:schemeClr val="lt1"/>
-          </a:fontRef>
-        </p:style>
-        <p:txBody>
-          <a:bodyPr rtlCol="0" anchor="t"/>
-          <a:lstStyle/>
-          <a:p>
-            <a:pPr algn="ctr"/>
-            <a:r>
-              <a:rPr lang="fr-FR" sz="1200" dirty="0">
-                <a:solidFill>
-                  <a:schemeClr val="tx1"/>
-                </a:solidFill>
-              </a:rPr>
-              <a:t>Simulation :</a:t>
-            </a:r>
-            <a:r>
-              <a:rPr lang="fr-FR" sz="1200" b="1" dirty="0">
-                <a:solidFill>
-                  <a:schemeClr val="tx1"/>
-                </a:solidFill>
-              </a:rPr>
-              <a:t>résolution du PFD</a:t>
-            </a:r>
-          </a:p>
-          <a:p>
-            <a:pPr algn="ctr"/>
-            <a:r>
-              <a:rPr lang="fr-FR" sz="1200" b="1" dirty="0">
-                <a:solidFill>
-                  <a:schemeClr val="tx1"/>
-                </a:solidFill>
-              </a:rPr>
-              <a:t>Choix du couple moteur et de la puissance du moteur</a:t>
-            </a:r>
-            <a:endParaRPr lang="fr-FR" sz="1200" dirty="0">
-              <a:solidFill>
-                <a:schemeClr val="tx1"/>
-              </a:solidFill>
-            </a:endParaRPr>
-          </a:p>
-        </p:txBody>
-      </p:sp>
-      <p:sp>
-        <p:nvSpPr>
-          <p:cNvPr id="39" name="Flèche : double flèche verticale 38">
-            <a:extLst>
-              <a:ext uri="{FF2B5EF4-FFF2-40B4-BE49-F238E27FC236}">
-                <a16:creationId xmlns:a16="http://schemas.microsoft.com/office/drawing/2014/main" id="{0CF05BB3-ABD4-4C8F-A66D-2FBDF0981266}"/>
-              </a:ext>
-            </a:extLst>
-          </p:cNvPr>
-          <p:cNvSpPr/>
-          <p:nvPr/>
-        </p:nvSpPr>
-        <p:spPr>
-          <a:xfrm rot="5400000">
-            <a:off x="4062279" y="2400994"/>
-            <a:ext cx="499800" cy="1157184"/>
-          </a:xfrm>
-          <a:prstGeom prst="upDownArrow">
-            <a:avLst/>
-          </a:prstGeom>
-          <a:solidFill>
-            <a:schemeClr val="accent2">
-              <a:lumMod val="20000"/>
-              <a:lumOff val="80000"/>
-            </a:schemeClr>
-          </a:solidFill>
-          <a:ln>
-            <a:solidFill>
-              <a:schemeClr val="accent2">
-                <a:lumMod val="75000"/>
-              </a:schemeClr>
-            </a:solidFill>
-          </a:ln>
-        </p:spPr>
-        <p:style>
-          <a:lnRef idx="2">
-            <a:schemeClr val="accent1">
-              <a:shade val="50000"/>
-            </a:schemeClr>
-          </a:lnRef>
-          <a:fillRef idx="1">
-            <a:schemeClr val="accent1"/>
-          </a:fillRef>
-          <a:effectRef idx="0">
-            <a:schemeClr val="accent1"/>
-          </a:effectRef>
-          <a:fontRef idx="minor">
-            <a:schemeClr val="lt1"/>
-          </a:fontRef>
-        </p:style>
-        <p:txBody>
-          <a:bodyPr rtlCol="0" anchor="ctr"/>
-          <a:lstStyle/>
-          <a:p>
-            <a:pPr algn="ctr"/>
-            <a:endParaRPr lang="fr-FR" dirty="0"/>
-          </a:p>
-        </p:txBody>
-      </p:sp>
-      <p:sp>
-        <p:nvSpPr>
-          <p:cNvPr id="40" name="Flèche : double flèche verticale 39">
-            <a:extLst>
-              <a:ext uri="{FF2B5EF4-FFF2-40B4-BE49-F238E27FC236}">
-                <a16:creationId xmlns:a16="http://schemas.microsoft.com/office/drawing/2014/main" id="{6233C236-5FCF-4025-B3AF-FBD65FDD4358}"/>
-              </a:ext>
-            </a:extLst>
-          </p:cNvPr>
-          <p:cNvSpPr/>
-          <p:nvPr/>
-        </p:nvSpPr>
-        <p:spPr>
-          <a:xfrm rot="6404525">
-            <a:off x="4052999" y="3634604"/>
-            <a:ext cx="499800" cy="1157184"/>
-          </a:xfrm>
-          <a:prstGeom prst="upDownArrow">
-            <a:avLst/>
-          </a:prstGeom>
-          <a:solidFill>
-            <a:schemeClr val="accent2">
-              <a:lumMod val="20000"/>
-              <a:lumOff val="80000"/>
-            </a:schemeClr>
-          </a:solidFill>
-          <a:ln>
-            <a:solidFill>
-              <a:schemeClr val="accent2">
-                <a:lumMod val="75000"/>
-              </a:schemeClr>
-            </a:solidFill>
-          </a:ln>
-        </p:spPr>
-        <p:style>
-          <a:lnRef idx="2">
-            <a:schemeClr val="accent1">
-              <a:shade val="50000"/>
-            </a:schemeClr>
-          </a:lnRef>
-          <a:fillRef idx="1">
-            <a:schemeClr val="accent1"/>
-          </a:fillRef>
-          <a:effectRef idx="0">
-            <a:schemeClr val="accent1"/>
-          </a:effectRef>
-          <a:fontRef idx="minor">
-            <a:schemeClr val="lt1"/>
-          </a:fontRef>
-        </p:style>
-        <p:txBody>
-          <a:bodyPr rtlCol="0" anchor="ctr"/>
-          <a:lstStyle/>
-          <a:p>
-            <a:pPr algn="ctr"/>
-            <a:endParaRPr lang="fr-FR"/>
-          </a:p>
-        </p:txBody>
-      </p:sp>
-      <p:sp>
-        <p:nvSpPr>
-          <p:cNvPr id="44" name="Rectangle 43">
-            <a:extLst>
-              <a:ext uri="{FF2B5EF4-FFF2-40B4-BE49-F238E27FC236}">
-                <a16:creationId xmlns:a16="http://schemas.microsoft.com/office/drawing/2014/main" id="{C5DF0616-45F0-4593-A864-E4366D29FF06}"/>
-              </a:ext>
-            </a:extLst>
-          </p:cNvPr>
-          <p:cNvSpPr/>
-          <p:nvPr/>
-        </p:nvSpPr>
-        <p:spPr>
-          <a:xfrm>
-            <a:off x="5015892" y="4960159"/>
-            <a:ext cx="2265368" cy="747603"/>
-          </a:xfrm>
-          <a:prstGeom prst="rect">
-            <a:avLst/>
-          </a:prstGeom>
-          <a:solidFill>
-            <a:schemeClr val="accent2">
-              <a:lumMod val="20000"/>
-              <a:lumOff val="80000"/>
-            </a:schemeClr>
-          </a:solidFill>
-          <a:ln>
-            <a:solidFill>
-              <a:schemeClr val="accent2">
-                <a:lumMod val="75000"/>
-              </a:schemeClr>
-            </a:solidFill>
-          </a:ln>
-        </p:spPr>
-        <p:style>
-          <a:lnRef idx="2">
-            <a:schemeClr val="accent1">
-              <a:shade val="50000"/>
-            </a:schemeClr>
-          </a:lnRef>
-          <a:fillRef idx="1">
-            <a:schemeClr val="accent1"/>
-          </a:fillRef>
-          <a:effectRef idx="0">
-            <a:schemeClr val="accent1"/>
-          </a:effectRef>
-          <a:fontRef idx="minor">
-            <a:schemeClr val="lt1"/>
-          </a:fontRef>
-        </p:style>
-        <p:txBody>
-          <a:bodyPr rtlCol="0" anchor="t"/>
-          <a:lstStyle/>
-          <a:p>
-            <a:pPr lvl="1" algn="ctr"/>
-            <a:r>
-              <a:rPr lang="fr-FR" sz="1200" b="1" dirty="0">
-                <a:solidFill>
-                  <a:schemeClr val="tx1"/>
-                </a:solidFill>
-              </a:rPr>
-              <a:t>Intégration du couple ressort, des frottements…</a:t>
-            </a:r>
-            <a:endParaRPr lang="fr-FR" sz="1200" dirty="0">
-              <a:solidFill>
-                <a:schemeClr val="tx1"/>
-              </a:solidFill>
-            </a:endParaRPr>
-          </a:p>
-        </p:txBody>
-      </p:sp>
-      <p:sp>
-        <p:nvSpPr>
-          <p:cNvPr id="45" name="Rectangle 44">
-            <a:extLst>
-              <a:ext uri="{FF2B5EF4-FFF2-40B4-BE49-F238E27FC236}">
-                <a16:creationId xmlns:a16="http://schemas.microsoft.com/office/drawing/2014/main" id="{3D3F15EA-B751-4AD9-BCA4-63E5E31F65E9}"/>
-              </a:ext>
-            </a:extLst>
-          </p:cNvPr>
-          <p:cNvSpPr/>
-          <p:nvPr/>
-        </p:nvSpPr>
-        <p:spPr>
-          <a:xfrm rot="16200000">
-            <a:off x="4802436" y="5127236"/>
-            <a:ext cx="747603" cy="428305"/>
-          </a:xfrm>
-          <a:prstGeom prst="rect">
-            <a:avLst/>
-          </a:prstGeom>
-          <a:noFill/>
-          <a:ln>
-            <a:noFill/>
-          </a:ln>
-        </p:spPr>
-        <p:style>
-          <a:lnRef idx="2">
-            <a:schemeClr val="accent1">
-              <a:shade val="50000"/>
-            </a:schemeClr>
-          </a:lnRef>
-          <a:fillRef idx="1">
-            <a:schemeClr val="accent1"/>
-          </a:fillRef>
-          <a:effectRef idx="0">
-            <a:schemeClr val="accent1"/>
-          </a:effectRef>
-          <a:fontRef idx="minor">
-            <a:schemeClr val="lt1"/>
-          </a:fontRef>
-        </p:style>
-        <p:txBody>
-          <a:bodyPr rtlCol="0" anchor="ctr"/>
-          <a:lstStyle/>
-          <a:p>
-            <a:pPr algn="ctr"/>
-            <a:r>
-              <a:rPr lang="fr-FR" sz="1400" b="1" dirty="0">
-                <a:solidFill>
-                  <a:schemeClr val="tx1"/>
-                </a:solidFill>
-              </a:rPr>
-              <a:t>Simulation</a:t>
-            </a:r>
-          </a:p>
-        </p:txBody>
-      </p:sp>
-      <p:sp>
-        <p:nvSpPr>
-          <p:cNvPr id="10" name="Rectangle 9">
-            <a:extLst>
-              <a:ext uri="{FF2B5EF4-FFF2-40B4-BE49-F238E27FC236}">
-                <a16:creationId xmlns:a16="http://schemas.microsoft.com/office/drawing/2014/main" id="{455BF407-C4D1-4370-92F8-DB5CF74643BD}"/>
-              </a:ext>
-            </a:extLst>
-          </p:cNvPr>
-          <p:cNvSpPr/>
-          <p:nvPr/>
-        </p:nvSpPr>
-        <p:spPr>
-          <a:xfrm>
-            <a:off x="4239243" y="2836364"/>
-            <a:ext cx="292068" cy="369332"/>
-          </a:xfrm>
-          <a:prstGeom prst="rect">
-            <a:avLst/>
-          </a:prstGeom>
-        </p:spPr>
-        <p:txBody>
-          <a:bodyPr wrap="none">
+        </p:spPr>
+        <p:txBody>
+          <a:bodyPr wrap="square" rtlCol="0">
             <a:spAutoFit/>
           </a:bodyPr>
           <a:lstStyle/>
           <a:p>
             <a:pPr algn="ctr"/>
             <a:r>
-              <a:rPr lang="fr-FR" b="1" dirty="0"/>
-              <a:t>?</a:t>
-            </a:r>
-            <a:endParaRPr lang="fr-FR" dirty="0"/>
-          </a:p>
-        </p:txBody>
-      </p:sp>
-      <p:sp>
-        <p:nvSpPr>
-          <p:cNvPr id="46" name="Rectangle 45">
-            <a:extLst>
-              <a:ext uri="{FF2B5EF4-FFF2-40B4-BE49-F238E27FC236}">
-                <a16:creationId xmlns:a16="http://schemas.microsoft.com/office/drawing/2014/main" id="{FB7D8E65-E8C0-4A91-BB02-92A72C041C36}"/>
-              </a:ext>
-            </a:extLst>
-          </p:cNvPr>
-          <p:cNvSpPr/>
-          <p:nvPr/>
-        </p:nvSpPr>
-        <p:spPr>
-          <a:xfrm>
-            <a:off x="4260426" y="4046018"/>
-            <a:ext cx="292068" cy="369332"/>
-          </a:xfrm>
-          <a:prstGeom prst="rect">
-            <a:avLst/>
-          </a:prstGeom>
-        </p:spPr>
-        <p:txBody>
-          <a:bodyPr wrap="none">
-            <a:spAutoFit/>
-          </a:bodyPr>
-          <a:lstStyle/>
-          <a:p>
-            <a:pPr algn="ctr"/>
-            <a:r>
-              <a:rPr lang="fr-FR" b="1" dirty="0"/>
-              <a:t>?</a:t>
-            </a:r>
-            <a:endParaRPr lang="fr-FR" dirty="0"/>
-          </a:p>
-        </p:txBody>
-      </p:sp>
-      <p:sp>
-        <p:nvSpPr>
-          <p:cNvPr id="47" name="Rectangle 46">
-            <a:extLst>
-              <a:ext uri="{FF2B5EF4-FFF2-40B4-BE49-F238E27FC236}">
-                <a16:creationId xmlns:a16="http://schemas.microsoft.com/office/drawing/2014/main" id="{DF5D71FB-5A00-491E-BC68-CBDC6C59D202}"/>
-              </a:ext>
-            </a:extLst>
-          </p:cNvPr>
-          <p:cNvSpPr/>
-          <p:nvPr/>
-        </p:nvSpPr>
-        <p:spPr>
-          <a:xfrm>
-            <a:off x="8125849" y="4938614"/>
-            <a:ext cx="2117035" cy="805548"/>
-          </a:xfrm>
-          <a:prstGeom prst="rect">
-            <a:avLst/>
-          </a:prstGeom>
-          <a:solidFill>
-            <a:schemeClr val="bg1">
-              <a:lumMod val="85000"/>
-            </a:schemeClr>
-          </a:solidFill>
-          <a:ln>
-            <a:solidFill>
-              <a:schemeClr val="bg1">
-                <a:lumMod val="50000"/>
-              </a:schemeClr>
-            </a:solidFill>
-          </a:ln>
-        </p:spPr>
-        <p:style>
-          <a:lnRef idx="2">
-            <a:schemeClr val="accent1">
-              <a:shade val="50000"/>
-            </a:schemeClr>
-          </a:lnRef>
-          <a:fillRef idx="1">
-            <a:schemeClr val="accent1"/>
-          </a:fillRef>
-          <a:effectRef idx="0">
-            <a:schemeClr val="accent1"/>
-          </a:effectRef>
-          <a:fontRef idx="minor">
-            <a:schemeClr val="lt1"/>
-          </a:fontRef>
-        </p:style>
-        <p:txBody>
-          <a:bodyPr rtlCol="0" anchor="ctr"/>
-          <a:lstStyle/>
-          <a:p>
-            <a:pPr algn="ctr"/>
-            <a:r>
-              <a:rPr lang="fr-FR" sz="1200" dirty="0">
-                <a:solidFill>
-                  <a:schemeClr val="tx1"/>
-                </a:solidFill>
-              </a:rPr>
-              <a:t>Choix affiné</a:t>
+              <a:rPr lang="fr-FR" dirty="0"/>
+              <a:t>Paramètres cinématiques et dynamiques</a:t>
             </a:r>
           </a:p>
         </p:txBody>
@@ -6622,7 +6622,7 @@
     </p:spTree>
     <p:extLst>
       <p:ext uri="{BB962C8B-B14F-4D97-AF65-F5344CB8AC3E}">
-        <p14:creationId xmlns:p14="http://schemas.microsoft.com/office/powerpoint/2010/main" val="1694976163"/>
+        <p14:creationId xmlns:p14="http://schemas.microsoft.com/office/powerpoint/2010/main" val="3125217856"/>
       </p:ext>
     </p:extLst>
   </p:cSld>
